--- a/IconMaterial/logo.pptx
+++ b/IconMaterial/logo.pptx
@@ -7,6 +7,8 @@
   <p:sldIdLst>
     <p:sldId id="256" r:id="rId2"/>
     <p:sldId id="257" r:id="rId3"/>
+    <p:sldId id="258" r:id="rId4"/>
+    <p:sldId id="259" r:id="rId5"/>
   </p:sldIdLst>
   <p:sldSz cx="12192000" cy="6858000"/>
   <p:notesSz cx="6858000" cy="9144000"/>
@@ -105,6 +107,11 @@
       </a:defRPr>
     </a:lvl9pPr>
   </p:defaultTextStyle>
+  <p:extLst>
+    <p:ext uri="{EFAFB233-063F-42B5-8137-9DF3F51BA10A}">
+      <p15:sldGuideLst xmlns:p15="http://schemas.microsoft.com/office/powerpoint/2012/main"/>
+    </p:ext>
+  </p:extLst>
 </p:presentation>
 </file>
 
@@ -3550,6 +3557,175 @@
 </p:sld>
 </file>
 
+<file path=ppt/slides/slide3.xml><?xml version="1.0" encoding="utf-8"?>
+<p:sld xmlns:a="http://schemas.openxmlformats.org/drawingml/2006/main" xmlns:r="http://schemas.openxmlformats.org/officeDocument/2006/relationships" xmlns:p="http://schemas.openxmlformats.org/presentationml/2006/main">
+  <p:cSld>
+    <p:spTree>
+      <p:nvGrpSpPr>
+        <p:cNvPr id="1" name=""/>
+        <p:cNvGrpSpPr/>
+        <p:nvPr/>
+      </p:nvGrpSpPr>
+      <p:grpSpPr>
+        <a:xfrm>
+          <a:off x="0" y="0"/>
+          <a:ext cx="0" cy="0"/>
+          <a:chOff x="0" y="0"/>
+          <a:chExt cx="0" cy="0"/>
+        </a:xfrm>
+      </p:grpSpPr>
+      <p:pic>
+        <p:nvPicPr>
+          <p:cNvPr id="5" name="Picture 4">
+            <a:extLst>
+              <a:ext uri="{FF2B5EF4-FFF2-40B4-BE49-F238E27FC236}">
+                <a16:creationId xmlns:a16="http://schemas.microsoft.com/office/drawing/2014/main" id="{5A05A440-F547-C0F8-8964-E5C2D55DC118}"/>
+              </a:ext>
+            </a:extLst>
+          </p:cNvPr>
+          <p:cNvPicPr>
+            <a:picLocks noChangeAspect="1"/>
+          </p:cNvPicPr>
+          <p:nvPr/>
+        </p:nvPicPr>
+        <p:blipFill>
+          <a:blip r:embed="rId2">
+            <a:clrChange>
+              <a:clrFrom>
+                <a:srgbClr val="E9E6E1"/>
+              </a:clrFrom>
+              <a:clrTo>
+                <a:srgbClr val="E9E6E1">
+                  <a:alpha val="0"/>
+                </a:srgbClr>
+              </a:clrTo>
+            </a:clrChange>
+          </a:blip>
+          <a:stretch>
+            <a:fillRect/>
+          </a:stretch>
+        </p:blipFill>
+        <p:spPr>
+          <a:xfrm>
+            <a:off x="2790624" y="1730432"/>
+            <a:ext cx="6051535" cy="3029602"/>
+          </a:xfrm>
+          <a:prstGeom prst="rect">
+            <a:avLst/>
+          </a:prstGeom>
+        </p:spPr>
+      </p:pic>
+    </p:spTree>
+    <p:extLst>
+      <p:ext uri="{BB962C8B-B14F-4D97-AF65-F5344CB8AC3E}">
+        <p14:creationId xmlns:p14="http://schemas.microsoft.com/office/powerpoint/2010/main" val="996039352"/>
+      </p:ext>
+    </p:extLst>
+  </p:cSld>
+  <p:clrMapOvr>
+    <a:masterClrMapping/>
+  </p:clrMapOvr>
+</p:sld>
+</file>
+
+<file path=ppt/slides/slide4.xml><?xml version="1.0" encoding="utf-8"?>
+<p:sld xmlns:a="http://schemas.openxmlformats.org/drawingml/2006/main" xmlns:r="http://schemas.openxmlformats.org/officeDocument/2006/relationships" xmlns:p="http://schemas.openxmlformats.org/presentationml/2006/main">
+  <p:cSld>
+    <p:spTree>
+      <p:nvGrpSpPr>
+        <p:cNvPr id="1" name=""/>
+        <p:cNvGrpSpPr/>
+        <p:nvPr/>
+      </p:nvGrpSpPr>
+      <p:grpSpPr>
+        <a:xfrm>
+          <a:off x="0" y="0"/>
+          <a:ext cx="0" cy="0"/>
+          <a:chOff x="0" y="0"/>
+          <a:chExt cx="0" cy="0"/>
+        </a:xfrm>
+      </p:grpSpPr>
+      <p:pic>
+        <p:nvPicPr>
+          <p:cNvPr id="3" name="Picture 2">
+            <a:extLst>
+              <a:ext uri="{FF2B5EF4-FFF2-40B4-BE49-F238E27FC236}">
+                <a16:creationId xmlns:a16="http://schemas.microsoft.com/office/drawing/2014/main" id="{9E454F46-8B16-832B-177A-B1770197161A}"/>
+              </a:ext>
+            </a:extLst>
+          </p:cNvPr>
+          <p:cNvPicPr>
+            <a:picLocks noChangeAspect="1"/>
+          </p:cNvPicPr>
+          <p:nvPr/>
+        </p:nvPicPr>
+        <p:blipFill>
+          <a:blip r:embed="rId2"/>
+          <a:stretch>
+            <a:fillRect/>
+          </a:stretch>
+        </p:blipFill>
+        <p:spPr>
+          <a:xfrm>
+            <a:off x="4428892" y="1809524"/>
+            <a:ext cx="3334215" cy="3238952"/>
+          </a:xfrm>
+          <a:prstGeom prst="rect">
+            <a:avLst/>
+          </a:prstGeom>
+        </p:spPr>
+      </p:pic>
+      <p:sp>
+        <p:nvSpPr>
+          <p:cNvPr id="4" name="TextBox 3">
+            <a:extLst>
+              <a:ext uri="{FF2B5EF4-FFF2-40B4-BE49-F238E27FC236}">
+                <a16:creationId xmlns:a16="http://schemas.microsoft.com/office/drawing/2014/main" id="{4B33661A-E58C-4FBF-82E3-9ECCC801F407}"/>
+              </a:ext>
+            </a:extLst>
+          </p:cNvPr>
+          <p:cNvSpPr txBox="1"/>
+          <p:nvPr/>
+        </p:nvSpPr>
+        <p:spPr>
+          <a:xfrm>
+            <a:off x="548640" y="5981700"/>
+            <a:ext cx="5517601" cy="369332"/>
+          </a:xfrm>
+          <a:prstGeom prst="rect">
+            <a:avLst/>
+          </a:prstGeom>
+          <a:noFill/>
+        </p:spPr>
+        <p:txBody>
+          <a:bodyPr wrap="none" rtlCol="0">
+            <a:spAutoFit/>
+          </a:bodyPr>
+          <a:lstStyle/>
+          <a:p>
+            <a:r>
+              <a:rPr lang="de-DE">
+                <a:hlinkClick r:id="rId3"/>
+              </a:rPr>
+              <a:t>Wohnung -Icons – 15,863 kostenlose Icons (flaticon.com)</a:t>
+            </a:r>
+            <a:endParaRPr lang="de-DE"/>
+          </a:p>
+        </p:txBody>
+      </p:sp>
+    </p:spTree>
+    <p:extLst>
+      <p:ext uri="{BB962C8B-B14F-4D97-AF65-F5344CB8AC3E}">
+        <p14:creationId xmlns:p14="http://schemas.microsoft.com/office/powerpoint/2010/main" val="3795468541"/>
+      </p:ext>
+    </p:extLst>
+  </p:cSld>
+  <p:clrMapOvr>
+    <a:masterClrMapping/>
+  </p:clrMapOvr>
+</p:sld>
+</file>
+
 <file path=ppt/theme/theme1.xml><?xml version="1.0" encoding="utf-8"?>
 <a:theme xmlns:a="http://schemas.openxmlformats.org/drawingml/2006/main" name="Office Theme">
   <a:themeElements>

--- a/IconMaterial/logo.pptx
+++ b/IconMaterial/logo.pptx
@@ -5,10 +5,12 @@
     <p:sldMasterId id="2147483648" r:id="rId1"/>
   </p:sldMasterIdLst>
   <p:sldIdLst>
-    <p:sldId id="256" r:id="rId2"/>
-    <p:sldId id="257" r:id="rId3"/>
-    <p:sldId id="258" r:id="rId4"/>
-    <p:sldId id="259" r:id="rId5"/>
+    <p:sldId id="258" r:id="rId2"/>
+    <p:sldId id="259" r:id="rId3"/>
+    <p:sldId id="260" r:id="rId4"/>
+    <p:sldId id="261" r:id="rId5"/>
+    <p:sldId id="262" r:id="rId6"/>
+    <p:sldId id="263" r:id="rId7"/>
   </p:sldIdLst>
   <p:sldSz cx="12192000" cy="6858000"/>
   <p:notesSz cx="6858000" cy="9144000"/>
@@ -264,7 +266,7 @@
           <a:p>
             <a:fld id="{4C0403D7-3ADE-4757-BC2A-E1DF0DD99257}" type="datetimeFigureOut">
               <a:rPr lang="de-DE" smtClean="0"/>
-              <a:t>21.01.2024</a:t>
+              <a:t>28.04.2024</a:t>
             </a:fld>
             <a:endParaRPr lang="de-DE"/>
           </a:p>
@@ -464,7 +466,7 @@
           <a:p>
             <a:fld id="{4C0403D7-3ADE-4757-BC2A-E1DF0DD99257}" type="datetimeFigureOut">
               <a:rPr lang="de-DE" smtClean="0"/>
-              <a:t>21.01.2024</a:t>
+              <a:t>28.04.2024</a:t>
             </a:fld>
             <a:endParaRPr lang="de-DE"/>
           </a:p>
@@ -674,7 +676,7 @@
           <a:p>
             <a:fld id="{4C0403D7-3ADE-4757-BC2A-E1DF0DD99257}" type="datetimeFigureOut">
               <a:rPr lang="de-DE" smtClean="0"/>
-              <a:t>21.01.2024</a:t>
+              <a:t>28.04.2024</a:t>
             </a:fld>
             <a:endParaRPr lang="de-DE"/>
           </a:p>
@@ -874,7 +876,7 @@
           <a:p>
             <a:fld id="{4C0403D7-3ADE-4757-BC2A-E1DF0DD99257}" type="datetimeFigureOut">
               <a:rPr lang="de-DE" smtClean="0"/>
-              <a:t>21.01.2024</a:t>
+              <a:t>28.04.2024</a:t>
             </a:fld>
             <a:endParaRPr lang="de-DE"/>
           </a:p>
@@ -1150,7 +1152,7 @@
           <a:p>
             <a:fld id="{4C0403D7-3ADE-4757-BC2A-E1DF0DD99257}" type="datetimeFigureOut">
               <a:rPr lang="de-DE" smtClean="0"/>
-              <a:t>21.01.2024</a:t>
+              <a:t>28.04.2024</a:t>
             </a:fld>
             <a:endParaRPr lang="de-DE"/>
           </a:p>
@@ -1418,7 +1420,7 @@
           <a:p>
             <a:fld id="{4C0403D7-3ADE-4757-BC2A-E1DF0DD99257}" type="datetimeFigureOut">
               <a:rPr lang="de-DE" smtClean="0"/>
-              <a:t>21.01.2024</a:t>
+              <a:t>28.04.2024</a:t>
             </a:fld>
             <a:endParaRPr lang="de-DE"/>
           </a:p>
@@ -1833,7 +1835,7 @@
           <a:p>
             <a:fld id="{4C0403D7-3ADE-4757-BC2A-E1DF0DD99257}" type="datetimeFigureOut">
               <a:rPr lang="de-DE" smtClean="0"/>
-              <a:t>21.01.2024</a:t>
+              <a:t>28.04.2024</a:t>
             </a:fld>
             <a:endParaRPr lang="de-DE"/>
           </a:p>
@@ -1975,7 +1977,7 @@
           <a:p>
             <a:fld id="{4C0403D7-3ADE-4757-BC2A-E1DF0DD99257}" type="datetimeFigureOut">
               <a:rPr lang="de-DE" smtClean="0"/>
-              <a:t>21.01.2024</a:t>
+              <a:t>28.04.2024</a:t>
             </a:fld>
             <a:endParaRPr lang="de-DE"/>
           </a:p>
@@ -2088,7 +2090,7 @@
           <a:p>
             <a:fld id="{4C0403D7-3ADE-4757-BC2A-E1DF0DD99257}" type="datetimeFigureOut">
               <a:rPr lang="de-DE" smtClean="0"/>
-              <a:t>21.01.2024</a:t>
+              <a:t>28.04.2024</a:t>
             </a:fld>
             <a:endParaRPr lang="de-DE"/>
           </a:p>
@@ -2401,7 +2403,7 @@
           <a:p>
             <a:fld id="{4C0403D7-3ADE-4757-BC2A-E1DF0DD99257}" type="datetimeFigureOut">
               <a:rPr lang="de-DE" smtClean="0"/>
-              <a:t>21.01.2024</a:t>
+              <a:t>28.04.2024</a:t>
             </a:fld>
             <a:endParaRPr lang="de-DE"/>
           </a:p>
@@ -2690,7 +2692,7 @@
           <a:p>
             <a:fld id="{4C0403D7-3ADE-4757-BC2A-E1DF0DD99257}" type="datetimeFigureOut">
               <a:rPr lang="de-DE" smtClean="0"/>
-              <a:t>21.01.2024</a:t>
+              <a:t>28.04.2024</a:t>
             </a:fld>
             <a:endParaRPr lang="de-DE"/>
           </a:p>
@@ -2933,7 +2935,7 @@
           <a:p>
             <a:fld id="{4C0403D7-3ADE-4757-BC2A-E1DF0DD99257}" type="datetimeFigureOut">
               <a:rPr lang="de-DE" smtClean="0"/>
-              <a:t>21.01.2024</a:t>
+              <a:t>28.04.2024</a:t>
             </a:fld>
             <a:endParaRPr lang="de-DE"/>
           </a:p>
@@ -3383,7 +3385,7 @@
         </p:blipFill>
         <p:spPr>
           <a:xfrm>
-            <a:off x="2755113" y="673989"/>
+            <a:off x="2790624" y="1730432"/>
             <a:ext cx="6051535" cy="3029602"/>
           </a:xfrm>
           <a:prstGeom prst="rect">
@@ -3391,51 +3393,10 @@
           </a:prstGeom>
         </p:spPr>
       </p:pic>
-      <p:sp>
-        <p:nvSpPr>
-          <p:cNvPr id="6" name="TextBox 5">
-            <a:extLst>
-              <a:ext uri="{FF2B5EF4-FFF2-40B4-BE49-F238E27FC236}">
-                <a16:creationId xmlns:a16="http://schemas.microsoft.com/office/drawing/2014/main" id="{CE436B22-7B86-490C-9309-88E71DD3A945}"/>
-              </a:ext>
-            </a:extLst>
-          </p:cNvPr>
-          <p:cNvSpPr txBox="1"/>
-          <p:nvPr/>
-        </p:nvSpPr>
-        <p:spPr>
-          <a:xfrm>
-            <a:off x="2795062" y="3586576"/>
-            <a:ext cx="5953881" cy="1553592"/>
-          </a:xfrm>
-          <a:prstGeom prst="rect">
-            <a:avLst/>
-          </a:prstGeom>
-          <a:noFill/>
-        </p:spPr>
-        <p:txBody>
-          <a:bodyPr wrap="none" rtlCol="0">
-            <a:noAutofit/>
-          </a:bodyPr>
-          <a:lstStyle/>
-          <a:p>
-            <a:pPr algn="ctr"/>
-            <a:r>
-              <a:rPr lang="de-DE" sz="6600" dirty="0">
-                <a:solidFill>
-                  <a:srgbClr val="5E8A75"/>
-                </a:solidFill>
-                <a:latin typeface="Arial Black" panose="020B0A04020102020204" pitchFamily="34" charset="0"/>
-              </a:rPr>
-              <a:t>FeWo Apland</a:t>
-            </a:r>
-          </a:p>
-        </p:txBody>
-      </p:sp>
     </p:spTree>
     <p:extLst>
       <p:ext uri="{BB962C8B-B14F-4D97-AF65-F5344CB8AC3E}">
-        <p14:creationId xmlns:p14="http://schemas.microsoft.com/office/powerpoint/2010/main" val="568680543"/>
+        <p14:creationId xmlns:p14="http://schemas.microsoft.com/office/powerpoint/2010/main" val="996039352"/>
       </p:ext>
     </p:extLst>
   </p:cSld>
@@ -3464,10 +3425,10 @@
       </p:grpSpPr>
       <p:pic>
         <p:nvPicPr>
-          <p:cNvPr id="5" name="Picture 4">
-            <a:extLst>
-              <a:ext uri="{FF2B5EF4-FFF2-40B4-BE49-F238E27FC236}">
-                <a16:creationId xmlns:a16="http://schemas.microsoft.com/office/drawing/2014/main" id="{5A05A440-F547-C0F8-8964-E5C2D55DC118}"/>
+          <p:cNvPr id="3" name="Picture 2">
+            <a:extLst>
+              <a:ext uri="{FF2B5EF4-FFF2-40B4-BE49-F238E27FC236}">
+                <a16:creationId xmlns:a16="http://schemas.microsoft.com/office/drawing/2014/main" id="{9E454F46-8B16-832B-177A-B1770197161A}"/>
               </a:ext>
             </a:extLst>
           </p:cNvPr>
@@ -3477,26 +3438,15 @@
           <p:nvPr/>
         </p:nvPicPr>
         <p:blipFill>
-          <a:blip r:embed="rId2">
-            <a:clrChange>
-              <a:clrFrom>
-                <a:srgbClr val="E9E6E1"/>
-              </a:clrFrom>
-              <a:clrTo>
-                <a:srgbClr val="E9E6E1">
-                  <a:alpha val="0"/>
-                </a:srgbClr>
-              </a:clrTo>
-            </a:clrChange>
-          </a:blip>
+          <a:blip r:embed="rId2"/>
           <a:stretch>
             <a:fillRect/>
           </a:stretch>
         </p:blipFill>
         <p:spPr>
           <a:xfrm>
-            <a:off x="3065832" y="673989"/>
-            <a:ext cx="6051535" cy="3029602"/>
+            <a:off x="4428892" y="1809524"/>
+            <a:ext cx="3334215" cy="3238952"/>
           </a:xfrm>
           <a:prstGeom prst="rect">
             <a:avLst/>
@@ -3505,10 +3455,10 @@
       </p:pic>
       <p:sp>
         <p:nvSpPr>
-          <p:cNvPr id="6" name="TextBox 5">
-            <a:extLst>
-              <a:ext uri="{FF2B5EF4-FFF2-40B4-BE49-F238E27FC236}">
-                <a16:creationId xmlns:a16="http://schemas.microsoft.com/office/drawing/2014/main" id="{CE436B22-7B86-490C-9309-88E71DD3A945}"/>
+          <p:cNvPr id="4" name="TextBox 3">
+            <a:extLst>
+              <a:ext uri="{FF2B5EF4-FFF2-40B4-BE49-F238E27FC236}">
+                <a16:creationId xmlns:a16="http://schemas.microsoft.com/office/drawing/2014/main" id="{4B33661A-E58C-4FBF-82E3-9ECCC801F407}"/>
               </a:ext>
             </a:extLst>
           </p:cNvPr>
@@ -3517,8 +3467,8 @@
         </p:nvSpPr>
         <p:spPr>
           <a:xfrm>
-            <a:off x="3105781" y="3586576"/>
-            <a:ext cx="5953881" cy="1553592"/>
+            <a:off x="548640" y="5981700"/>
+            <a:ext cx="5517601" cy="369332"/>
           </a:xfrm>
           <a:prstGeom prst="rect">
             <a:avLst/>
@@ -3527,27 +3477,24 @@
         </p:spPr>
         <p:txBody>
           <a:bodyPr wrap="none" rtlCol="0">
-            <a:noAutofit/>
+            <a:spAutoFit/>
           </a:bodyPr>
           <a:lstStyle/>
           <a:p>
-            <a:pPr algn="ctr"/>
-            <a:r>
-              <a:rPr lang="de-DE" sz="7200" dirty="0">
-                <a:solidFill>
-                  <a:srgbClr val="5E8A75"/>
-                </a:solidFill>
-                <a:latin typeface="Arial Black" panose="020B0A04020102020204" pitchFamily="34" charset="0"/>
+            <a:r>
+              <a:rPr lang="de-DE">
+                <a:hlinkClick r:id="rId3"/>
               </a:rPr>
-              <a:t>Ferienwohnung Apland</a:t>
-            </a:r>
+              <a:t>Wohnung -Icons – 15,863 kostenlose Icons (flaticon.com)</a:t>
+            </a:r>
+            <a:endParaRPr lang="de-DE"/>
           </a:p>
         </p:txBody>
       </p:sp>
     </p:spTree>
     <p:extLst>
       <p:ext uri="{BB962C8B-B14F-4D97-AF65-F5344CB8AC3E}">
-        <p14:creationId xmlns:p14="http://schemas.microsoft.com/office/powerpoint/2010/main" val="2324628242"/>
+        <p14:creationId xmlns:p14="http://schemas.microsoft.com/office/powerpoint/2010/main" val="3795468541"/>
       </p:ext>
     </p:extLst>
   </p:cSld>
@@ -3607,7 +3554,7 @@
         </p:blipFill>
         <p:spPr>
           <a:xfrm>
-            <a:off x="2790624" y="1730432"/>
+            <a:off x="2757494" y="673989"/>
             <a:ext cx="6051535" cy="3029602"/>
           </a:xfrm>
           <a:prstGeom prst="rect">
@@ -3615,10 +3562,626 @@
           </a:prstGeom>
         </p:spPr>
       </p:pic>
+      <p:sp>
+        <p:nvSpPr>
+          <p:cNvPr id="6" name="TextBox 5">
+            <a:extLst>
+              <a:ext uri="{FF2B5EF4-FFF2-40B4-BE49-F238E27FC236}">
+                <a16:creationId xmlns:a16="http://schemas.microsoft.com/office/drawing/2014/main" id="{CE436B22-7B86-490C-9309-88E71DD3A945}"/>
+              </a:ext>
+            </a:extLst>
+          </p:cNvPr>
+          <p:cNvSpPr txBox="1"/>
+          <p:nvPr/>
+        </p:nvSpPr>
+        <p:spPr>
+          <a:xfrm>
+            <a:off x="2795062" y="3712696"/>
+            <a:ext cx="5953881" cy="1553592"/>
+          </a:xfrm>
+          <a:prstGeom prst="rect">
+            <a:avLst/>
+          </a:prstGeom>
+          <a:noFill/>
+        </p:spPr>
+        <p:txBody>
+          <a:bodyPr wrap="none" rtlCol="0">
+            <a:noAutofit/>
+          </a:bodyPr>
+          <a:lstStyle/>
+          <a:p>
+            <a:pPr algn="ctr"/>
+            <a:r>
+              <a:rPr lang="de-DE" sz="4800" dirty="0">
+                <a:solidFill>
+                  <a:srgbClr val="5E8A75"/>
+                </a:solidFill>
+                <a:latin typeface="Arial Black" panose="020B0A04020102020204" pitchFamily="34" charset="0"/>
+              </a:rPr>
+              <a:t>Projektwohnungen</a:t>
+            </a:r>
+          </a:p>
+        </p:txBody>
+      </p:sp>
+      <p:cxnSp>
+        <p:nvCxnSpPr>
+          <p:cNvPr id="3" name="Straight Connector 2">
+            <a:extLst>
+              <a:ext uri="{FF2B5EF4-FFF2-40B4-BE49-F238E27FC236}">
+                <a16:creationId xmlns:a16="http://schemas.microsoft.com/office/drawing/2014/main" id="{FF8B0F4C-A42F-3436-F766-2BCB456E6DCB}"/>
+              </a:ext>
+            </a:extLst>
+          </p:cNvPr>
+          <p:cNvCxnSpPr/>
+          <p:nvPr/>
+        </p:nvCxnSpPr>
+        <p:spPr>
+          <a:xfrm>
+            <a:off x="2835011" y="3539267"/>
+            <a:ext cx="5891738" cy="0"/>
+          </a:xfrm>
+          <a:prstGeom prst="line">
+            <a:avLst/>
+          </a:prstGeom>
+          <a:ln w="127000" cap="sq">
+            <a:solidFill>
+              <a:srgbClr val="5E8A75"/>
+            </a:solidFill>
+            <a:round/>
+          </a:ln>
+        </p:spPr>
+        <p:style>
+          <a:lnRef idx="1">
+            <a:schemeClr val="accent1"/>
+          </a:lnRef>
+          <a:fillRef idx="0">
+            <a:schemeClr val="accent1"/>
+          </a:fillRef>
+          <a:effectRef idx="0">
+            <a:schemeClr val="accent1"/>
+          </a:effectRef>
+          <a:fontRef idx="minor">
+            <a:schemeClr val="tx1"/>
+          </a:fontRef>
+        </p:style>
+      </p:cxnSp>
+      <p:cxnSp>
+        <p:nvCxnSpPr>
+          <p:cNvPr id="4" name="Straight Connector 3">
+            <a:extLst>
+              <a:ext uri="{FF2B5EF4-FFF2-40B4-BE49-F238E27FC236}">
+                <a16:creationId xmlns:a16="http://schemas.microsoft.com/office/drawing/2014/main" id="{98BE668F-BB6D-DC47-330A-CB1E8D2CD369}"/>
+              </a:ext>
+            </a:extLst>
+          </p:cNvPr>
+          <p:cNvCxnSpPr>
+            <a:cxnSpLocks/>
+          </p:cNvCxnSpPr>
+          <p:nvPr/>
+        </p:nvCxnSpPr>
+        <p:spPr>
+          <a:xfrm flipV="1">
+            <a:off x="9254801" y="1789155"/>
+            <a:ext cx="1494663" cy="1185110"/>
+          </a:xfrm>
+          <a:prstGeom prst="line">
+            <a:avLst/>
+          </a:prstGeom>
+          <a:ln w="127000" cap="sq">
+            <a:solidFill>
+              <a:schemeClr val="accent4"/>
+            </a:solidFill>
+            <a:round/>
+          </a:ln>
+        </p:spPr>
+        <p:style>
+          <a:lnRef idx="1">
+            <a:schemeClr val="accent1"/>
+          </a:lnRef>
+          <a:fillRef idx="0">
+            <a:schemeClr val="accent1"/>
+          </a:fillRef>
+          <a:effectRef idx="0">
+            <a:schemeClr val="accent1"/>
+          </a:effectRef>
+          <a:fontRef idx="minor">
+            <a:schemeClr val="tx1"/>
+          </a:fontRef>
+        </p:style>
+      </p:cxnSp>
+      <p:sp>
+        <p:nvSpPr>
+          <p:cNvPr id="11" name="Arc 10">
+            <a:extLst>
+              <a:ext uri="{FF2B5EF4-FFF2-40B4-BE49-F238E27FC236}">
+                <a16:creationId xmlns:a16="http://schemas.microsoft.com/office/drawing/2014/main" id="{4E131A31-9843-995C-BF88-3F30A5F57E96}"/>
+              </a:ext>
+            </a:extLst>
+          </p:cNvPr>
+          <p:cNvSpPr/>
+          <p:nvPr/>
+        </p:nvSpPr>
+        <p:spPr>
+          <a:xfrm rot="18900000">
+            <a:off x="5565263" y="794489"/>
+            <a:ext cx="436223" cy="448014"/>
+          </a:xfrm>
+          <a:prstGeom prst="arc">
+            <a:avLst>
+              <a:gd name="adj1" fmla="val 16588616"/>
+              <a:gd name="adj2" fmla="val 21145174"/>
+            </a:avLst>
+          </a:prstGeom>
+          <a:ln w="127000" cap="sq">
+            <a:solidFill>
+              <a:schemeClr val="accent4"/>
+            </a:solidFill>
+            <a:round/>
+          </a:ln>
+        </p:spPr>
+        <p:style>
+          <a:lnRef idx="1">
+            <a:schemeClr val="accent1"/>
+          </a:lnRef>
+          <a:fillRef idx="0">
+            <a:schemeClr val="accent1"/>
+          </a:fillRef>
+          <a:effectRef idx="0">
+            <a:schemeClr val="accent1"/>
+          </a:effectRef>
+          <a:fontRef idx="minor">
+            <a:schemeClr val="tx1"/>
+          </a:fontRef>
+        </p:style>
+        <p:txBody>
+          <a:bodyPr rtlCol="0" anchor="ctr"/>
+          <a:lstStyle/>
+          <a:p>
+            <a:pPr algn="ctr"/>
+            <a:endParaRPr lang="de-DE"/>
+          </a:p>
+        </p:txBody>
+      </p:sp>
+      <p:cxnSp>
+        <p:nvCxnSpPr>
+          <p:cNvPr id="12" name="Straight Connector 11">
+            <a:extLst>
+              <a:ext uri="{FF2B5EF4-FFF2-40B4-BE49-F238E27FC236}">
+                <a16:creationId xmlns:a16="http://schemas.microsoft.com/office/drawing/2014/main" id="{769A67D2-EA3E-0E49-D6D2-9F58BE00991B}"/>
+              </a:ext>
+            </a:extLst>
+          </p:cNvPr>
+          <p:cNvCxnSpPr>
+            <a:cxnSpLocks/>
+          </p:cNvCxnSpPr>
+          <p:nvPr/>
+        </p:nvCxnSpPr>
+        <p:spPr>
+          <a:xfrm flipV="1">
+            <a:off x="4088606" y="904835"/>
+            <a:ext cx="1471994" cy="1152565"/>
+          </a:xfrm>
+          <a:prstGeom prst="line">
+            <a:avLst/>
+          </a:prstGeom>
+          <a:ln w="127000" cap="sq">
+            <a:solidFill>
+              <a:schemeClr val="accent4"/>
+            </a:solidFill>
+            <a:round/>
+          </a:ln>
+        </p:spPr>
+        <p:style>
+          <a:lnRef idx="1">
+            <a:schemeClr val="accent1"/>
+          </a:lnRef>
+          <a:fillRef idx="0">
+            <a:schemeClr val="accent1"/>
+          </a:fillRef>
+          <a:effectRef idx="0">
+            <a:schemeClr val="accent1"/>
+          </a:effectRef>
+          <a:fontRef idx="minor">
+            <a:schemeClr val="tx1"/>
+          </a:fontRef>
+        </p:style>
+      </p:cxnSp>
+      <p:cxnSp>
+        <p:nvCxnSpPr>
+          <p:cNvPr id="14" name="Straight Connector 13">
+            <a:extLst>
+              <a:ext uri="{FF2B5EF4-FFF2-40B4-BE49-F238E27FC236}">
+                <a16:creationId xmlns:a16="http://schemas.microsoft.com/office/drawing/2014/main" id="{0444251A-F06C-B893-7622-D761EB4B1A26}"/>
+              </a:ext>
+            </a:extLst>
+          </p:cNvPr>
+          <p:cNvCxnSpPr>
+            <a:cxnSpLocks/>
+          </p:cNvCxnSpPr>
+          <p:nvPr/>
+        </p:nvCxnSpPr>
+        <p:spPr>
+          <a:xfrm flipH="1" flipV="1">
+            <a:off x="5980520" y="904835"/>
+            <a:ext cx="1471994" cy="1152565"/>
+          </a:xfrm>
+          <a:prstGeom prst="line">
+            <a:avLst/>
+          </a:prstGeom>
+          <a:ln w="127000" cap="sq">
+            <a:solidFill>
+              <a:schemeClr val="accent4"/>
+            </a:solidFill>
+            <a:round/>
+          </a:ln>
+        </p:spPr>
+        <p:style>
+          <a:lnRef idx="1">
+            <a:schemeClr val="accent1"/>
+          </a:lnRef>
+          <a:fillRef idx="0">
+            <a:schemeClr val="accent1"/>
+          </a:fillRef>
+          <a:effectRef idx="0">
+            <a:schemeClr val="accent1"/>
+          </a:effectRef>
+          <a:fontRef idx="minor">
+            <a:schemeClr val="tx1"/>
+          </a:fontRef>
+        </p:style>
+      </p:cxnSp>
+      <p:cxnSp>
+        <p:nvCxnSpPr>
+          <p:cNvPr id="15" name="Straight Connector 14">
+            <a:extLst>
+              <a:ext uri="{FF2B5EF4-FFF2-40B4-BE49-F238E27FC236}">
+                <a16:creationId xmlns:a16="http://schemas.microsoft.com/office/drawing/2014/main" id="{BEA258C6-BC37-FA9B-3305-A0D48C422991}"/>
+              </a:ext>
+            </a:extLst>
+          </p:cNvPr>
+          <p:cNvCxnSpPr>
+            <a:cxnSpLocks/>
+          </p:cNvCxnSpPr>
+          <p:nvPr/>
+        </p:nvCxnSpPr>
+        <p:spPr>
+          <a:xfrm flipV="1">
+            <a:off x="7138219" y="1865355"/>
+            <a:ext cx="0" cy="1423945"/>
+          </a:xfrm>
+          <a:prstGeom prst="line">
+            <a:avLst/>
+          </a:prstGeom>
+          <a:ln w="127000" cap="sq">
+            <a:solidFill>
+              <a:schemeClr val="accent4"/>
+            </a:solidFill>
+            <a:round/>
+          </a:ln>
+        </p:spPr>
+        <p:style>
+          <a:lnRef idx="1">
+            <a:schemeClr val="accent1"/>
+          </a:lnRef>
+          <a:fillRef idx="0">
+            <a:schemeClr val="accent1"/>
+          </a:fillRef>
+          <a:effectRef idx="0">
+            <a:schemeClr val="accent1"/>
+          </a:effectRef>
+          <a:fontRef idx="minor">
+            <a:schemeClr val="tx1"/>
+          </a:fontRef>
+        </p:style>
+      </p:cxnSp>
+      <p:cxnSp>
+        <p:nvCxnSpPr>
+          <p:cNvPr id="18" name="Straight Connector 17">
+            <a:extLst>
+              <a:ext uri="{FF2B5EF4-FFF2-40B4-BE49-F238E27FC236}">
+                <a16:creationId xmlns:a16="http://schemas.microsoft.com/office/drawing/2014/main" id="{90927500-5F33-1ECD-5290-977E3C9E475A}"/>
+              </a:ext>
+            </a:extLst>
+          </p:cNvPr>
+          <p:cNvCxnSpPr>
+            <a:cxnSpLocks/>
+          </p:cNvCxnSpPr>
+          <p:nvPr/>
+        </p:nvCxnSpPr>
+        <p:spPr>
+          <a:xfrm flipV="1">
+            <a:off x="4407719" y="1865355"/>
+            <a:ext cx="0" cy="1220745"/>
+          </a:xfrm>
+          <a:prstGeom prst="line">
+            <a:avLst/>
+          </a:prstGeom>
+          <a:ln w="127000" cap="sq">
+            <a:solidFill>
+              <a:schemeClr val="accent4"/>
+            </a:solidFill>
+            <a:round/>
+          </a:ln>
+        </p:spPr>
+        <p:style>
+          <a:lnRef idx="1">
+            <a:schemeClr val="accent1"/>
+          </a:lnRef>
+          <a:fillRef idx="0">
+            <a:schemeClr val="accent1"/>
+          </a:fillRef>
+          <a:effectRef idx="0">
+            <a:schemeClr val="accent1"/>
+          </a:effectRef>
+          <a:fontRef idx="minor">
+            <a:schemeClr val="tx1"/>
+          </a:fontRef>
+        </p:style>
+      </p:cxnSp>
+      <p:sp>
+        <p:nvSpPr>
+          <p:cNvPr id="20" name="Rectangle: Rounded Corners 19">
+            <a:extLst>
+              <a:ext uri="{FF2B5EF4-FFF2-40B4-BE49-F238E27FC236}">
+                <a16:creationId xmlns:a16="http://schemas.microsoft.com/office/drawing/2014/main" id="{9A16ACE2-1FF4-F2CA-0433-116B36C87C21}"/>
+              </a:ext>
+            </a:extLst>
+          </p:cNvPr>
+          <p:cNvSpPr/>
+          <p:nvPr/>
+        </p:nvSpPr>
+        <p:spPr>
+          <a:xfrm>
+            <a:off x="4726833" y="2095269"/>
+            <a:ext cx="577008" cy="724131"/>
+          </a:xfrm>
+          <a:prstGeom prst="roundRect">
+            <a:avLst>
+              <a:gd name="adj" fmla="val 3270"/>
+            </a:avLst>
+          </a:prstGeom>
+          <a:ln w="127000" cap="sq">
+            <a:solidFill>
+              <a:schemeClr val="accent4"/>
+            </a:solidFill>
+            <a:round/>
+          </a:ln>
+        </p:spPr>
+        <p:style>
+          <a:lnRef idx="1">
+            <a:schemeClr val="accent1"/>
+          </a:lnRef>
+          <a:fillRef idx="0">
+            <a:schemeClr val="accent1"/>
+          </a:fillRef>
+          <a:effectRef idx="0">
+            <a:schemeClr val="accent1"/>
+          </a:effectRef>
+          <a:fontRef idx="minor">
+            <a:schemeClr val="tx1"/>
+          </a:fontRef>
+        </p:style>
+        <p:txBody>
+          <a:bodyPr rtlCol="0" anchor="ctr"/>
+          <a:lstStyle/>
+          <a:p>
+            <a:pPr algn="ctr"/>
+            <a:endParaRPr lang="de-DE"/>
+          </a:p>
+        </p:txBody>
+      </p:sp>
+      <p:sp>
+        <p:nvSpPr>
+          <p:cNvPr id="21" name="Rectangle: Rounded Corners 20">
+            <a:extLst>
+              <a:ext uri="{FF2B5EF4-FFF2-40B4-BE49-F238E27FC236}">
+                <a16:creationId xmlns:a16="http://schemas.microsoft.com/office/drawing/2014/main" id="{D2F5EB64-08CA-2906-AECE-06F80C94876D}"/>
+              </a:ext>
+            </a:extLst>
+          </p:cNvPr>
+          <p:cNvSpPr/>
+          <p:nvPr/>
+        </p:nvSpPr>
+        <p:spPr>
+          <a:xfrm>
+            <a:off x="5807495" y="2095269"/>
+            <a:ext cx="752051" cy="1423945"/>
+          </a:xfrm>
+          <a:prstGeom prst="roundRect">
+            <a:avLst>
+              <a:gd name="adj" fmla="val 3270"/>
+            </a:avLst>
+          </a:prstGeom>
+          <a:ln w="127000" cap="sq">
+            <a:solidFill>
+              <a:schemeClr val="accent4"/>
+            </a:solidFill>
+            <a:round/>
+          </a:ln>
+        </p:spPr>
+        <p:style>
+          <a:lnRef idx="1">
+            <a:schemeClr val="accent1"/>
+          </a:lnRef>
+          <a:fillRef idx="0">
+            <a:schemeClr val="accent1"/>
+          </a:fillRef>
+          <a:effectRef idx="0">
+            <a:schemeClr val="accent1"/>
+          </a:effectRef>
+          <a:fontRef idx="minor">
+            <a:schemeClr val="tx1"/>
+          </a:fontRef>
+        </p:style>
+        <p:txBody>
+          <a:bodyPr rtlCol="0" anchor="ctr"/>
+          <a:lstStyle/>
+          <a:p>
+            <a:pPr algn="ctr"/>
+            <a:endParaRPr lang="de-DE"/>
+          </a:p>
+        </p:txBody>
+      </p:sp>
+      <p:sp>
+        <p:nvSpPr>
+          <p:cNvPr id="22" name="Rectangle 21">
+            <a:extLst>
+              <a:ext uri="{FF2B5EF4-FFF2-40B4-BE49-F238E27FC236}">
+                <a16:creationId xmlns:a16="http://schemas.microsoft.com/office/drawing/2014/main" id="{03D0F819-7F8A-F036-2194-CD132F82EFCF}"/>
+              </a:ext>
+            </a:extLst>
+          </p:cNvPr>
+          <p:cNvSpPr/>
+          <p:nvPr/>
+        </p:nvSpPr>
+        <p:spPr>
+          <a:xfrm>
+            <a:off x="5624920" y="3351014"/>
+            <a:ext cx="1188630" cy="444765"/>
+          </a:xfrm>
+          <a:prstGeom prst="rect">
+            <a:avLst/>
+          </a:prstGeom>
+          <a:solidFill>
+            <a:schemeClr val="bg1"/>
+          </a:solidFill>
+          <a:ln>
+            <a:noFill/>
+          </a:ln>
+        </p:spPr>
+        <p:style>
+          <a:lnRef idx="2">
+            <a:schemeClr val="accent1">
+              <a:shade val="15000"/>
+            </a:schemeClr>
+          </a:lnRef>
+          <a:fillRef idx="1">
+            <a:schemeClr val="accent1"/>
+          </a:fillRef>
+          <a:effectRef idx="0">
+            <a:schemeClr val="accent1"/>
+          </a:effectRef>
+          <a:fontRef idx="minor">
+            <a:schemeClr val="lt1"/>
+          </a:fontRef>
+        </p:style>
+        <p:txBody>
+          <a:bodyPr rtlCol="0" anchor="ctr"/>
+          <a:lstStyle/>
+          <a:p>
+            <a:pPr algn="ctr"/>
+            <a:endParaRPr lang="de-DE"/>
+          </a:p>
+        </p:txBody>
+      </p:sp>
+      <p:sp>
+        <p:nvSpPr>
+          <p:cNvPr id="23" name="Rectangle 22">
+            <a:extLst>
+              <a:ext uri="{FF2B5EF4-FFF2-40B4-BE49-F238E27FC236}">
+                <a16:creationId xmlns:a16="http://schemas.microsoft.com/office/drawing/2014/main" id="{0E605738-A72D-4826-356E-7B30780E3826}"/>
+              </a:ext>
+            </a:extLst>
+          </p:cNvPr>
+          <p:cNvSpPr/>
+          <p:nvPr/>
+        </p:nvSpPr>
+        <p:spPr>
+          <a:xfrm>
+            <a:off x="4624004" y="2012569"/>
+            <a:ext cx="308407" cy="444765"/>
+          </a:xfrm>
+          <a:prstGeom prst="rect">
+            <a:avLst/>
+          </a:prstGeom>
+          <a:solidFill>
+            <a:schemeClr val="bg1"/>
+          </a:solidFill>
+          <a:ln>
+            <a:noFill/>
+          </a:ln>
+        </p:spPr>
+        <p:style>
+          <a:lnRef idx="2">
+            <a:schemeClr val="accent1">
+              <a:shade val="15000"/>
+            </a:schemeClr>
+          </a:lnRef>
+          <a:fillRef idx="1">
+            <a:schemeClr val="accent1"/>
+          </a:fillRef>
+          <a:effectRef idx="0">
+            <a:schemeClr val="accent1"/>
+          </a:effectRef>
+          <a:fontRef idx="minor">
+            <a:schemeClr val="lt1"/>
+          </a:fontRef>
+        </p:style>
+        <p:txBody>
+          <a:bodyPr rtlCol="0" anchor="ctr"/>
+          <a:lstStyle/>
+          <a:p>
+            <a:pPr algn="ctr"/>
+            <a:endParaRPr lang="de-DE"/>
+          </a:p>
+        </p:txBody>
+      </p:sp>
+      <p:sp>
+        <p:nvSpPr>
+          <p:cNvPr id="24" name="Rectangle 23">
+            <a:extLst>
+              <a:ext uri="{FF2B5EF4-FFF2-40B4-BE49-F238E27FC236}">
+                <a16:creationId xmlns:a16="http://schemas.microsoft.com/office/drawing/2014/main" id="{A532638E-62A6-D3D2-4815-30DCE4F34555}"/>
+              </a:ext>
+            </a:extLst>
+          </p:cNvPr>
+          <p:cNvSpPr/>
+          <p:nvPr/>
+        </p:nvSpPr>
+        <p:spPr>
+          <a:xfrm>
+            <a:off x="6209123" y="2641335"/>
+            <a:ext cx="159928" cy="178065"/>
+          </a:xfrm>
+          <a:prstGeom prst="rect">
+            <a:avLst/>
+          </a:prstGeom>
+          <a:solidFill>
+            <a:srgbClr val="FFC000"/>
+          </a:solidFill>
+          <a:ln>
+            <a:noFill/>
+          </a:ln>
+        </p:spPr>
+        <p:style>
+          <a:lnRef idx="2">
+            <a:schemeClr val="accent1">
+              <a:shade val="15000"/>
+            </a:schemeClr>
+          </a:lnRef>
+          <a:fillRef idx="1">
+            <a:schemeClr val="accent1"/>
+          </a:fillRef>
+          <a:effectRef idx="0">
+            <a:schemeClr val="accent1"/>
+          </a:effectRef>
+          <a:fontRef idx="minor">
+            <a:schemeClr val="lt1"/>
+          </a:fontRef>
+        </p:style>
+        <p:txBody>
+          <a:bodyPr rtlCol="0" anchor="ctr"/>
+          <a:lstStyle/>
+          <a:p>
+            <a:pPr algn="ctr"/>
+            <a:endParaRPr lang="de-DE"/>
+          </a:p>
+        </p:txBody>
+      </p:sp>
     </p:spTree>
     <p:extLst>
       <p:ext uri="{BB962C8B-B14F-4D97-AF65-F5344CB8AC3E}">
-        <p14:creationId xmlns:p14="http://schemas.microsoft.com/office/powerpoint/2010/main" val="996039352"/>
+        <p14:creationId xmlns:p14="http://schemas.microsoft.com/office/powerpoint/2010/main" val="794220028"/>
       </p:ext>
     </p:extLst>
   </p:cSld>
@@ -3645,42 +4208,12 @@
           <a:chExt cx="0" cy="0"/>
         </a:xfrm>
       </p:grpSpPr>
-      <p:pic>
-        <p:nvPicPr>
-          <p:cNvPr id="3" name="Picture 2">
-            <a:extLst>
-              <a:ext uri="{FF2B5EF4-FFF2-40B4-BE49-F238E27FC236}">
-                <a16:creationId xmlns:a16="http://schemas.microsoft.com/office/drawing/2014/main" id="{9E454F46-8B16-832B-177A-B1770197161A}"/>
-              </a:ext>
-            </a:extLst>
-          </p:cNvPr>
-          <p:cNvPicPr>
-            <a:picLocks noChangeAspect="1"/>
-          </p:cNvPicPr>
-          <p:nvPr/>
-        </p:nvPicPr>
-        <p:blipFill>
-          <a:blip r:embed="rId2"/>
-          <a:stretch>
-            <a:fillRect/>
-          </a:stretch>
-        </p:blipFill>
-        <p:spPr>
-          <a:xfrm>
-            <a:off x="4428892" y="1809524"/>
-            <a:ext cx="3334215" cy="3238952"/>
-          </a:xfrm>
-          <a:prstGeom prst="rect">
-            <a:avLst/>
-          </a:prstGeom>
-        </p:spPr>
-      </p:pic>
-      <p:sp>
-        <p:nvSpPr>
-          <p:cNvPr id="4" name="TextBox 3">
-            <a:extLst>
-              <a:ext uri="{FF2B5EF4-FFF2-40B4-BE49-F238E27FC236}">
-                <a16:creationId xmlns:a16="http://schemas.microsoft.com/office/drawing/2014/main" id="{4B33661A-E58C-4FBF-82E3-9ECCC801F407}"/>
+      <p:sp>
+        <p:nvSpPr>
+          <p:cNvPr id="6" name="TextBox 5">
+            <a:extLst>
+              <a:ext uri="{FF2B5EF4-FFF2-40B4-BE49-F238E27FC236}">
+                <a16:creationId xmlns:a16="http://schemas.microsoft.com/office/drawing/2014/main" id="{CE436B22-7B86-490C-9309-88E71DD3A945}"/>
               </a:ext>
             </a:extLst>
           </p:cNvPr>
@@ -3689,8 +4222,8 @@
         </p:nvSpPr>
         <p:spPr>
           <a:xfrm>
-            <a:off x="548640" y="5981700"/>
-            <a:ext cx="5517601" cy="369332"/>
+            <a:off x="2807762" y="4227046"/>
+            <a:ext cx="5953881" cy="1553592"/>
           </a:xfrm>
           <a:prstGeom prst="rect">
             <a:avLst/>
@@ -3699,24 +4232,1746 @@
         </p:spPr>
         <p:txBody>
           <a:bodyPr wrap="none" rtlCol="0">
-            <a:spAutoFit/>
+            <a:noAutofit/>
           </a:bodyPr>
           <a:lstStyle/>
           <a:p>
-            <a:r>
-              <a:rPr lang="de-DE">
-                <a:hlinkClick r:id="rId3"/>
+            <a:pPr algn="ctr"/>
+            <a:r>
+              <a:rPr lang="de-DE" sz="4800" dirty="0">
+                <a:solidFill>
+                  <a:srgbClr val="5E8A75"/>
+                </a:solidFill>
+                <a:latin typeface="Arial Black" panose="020B0A04020102020204" pitchFamily="34" charset="0"/>
               </a:rPr>
-              <a:t>Wohnung -Icons – 15,863 kostenlose Icons (flaticon.com)</a:t>
-            </a:r>
-            <a:endParaRPr lang="de-DE"/>
-          </a:p>
-        </p:txBody>
-      </p:sp>
+              <a:t>Projektwohnungen</a:t>
+            </a:r>
+          </a:p>
+        </p:txBody>
+      </p:sp>
+      <p:sp>
+        <p:nvSpPr>
+          <p:cNvPr id="11" name="Arc 10">
+            <a:extLst>
+              <a:ext uri="{FF2B5EF4-FFF2-40B4-BE49-F238E27FC236}">
+                <a16:creationId xmlns:a16="http://schemas.microsoft.com/office/drawing/2014/main" id="{4E131A31-9843-995C-BF88-3F30A5F57E96}"/>
+              </a:ext>
+            </a:extLst>
+          </p:cNvPr>
+          <p:cNvSpPr/>
+          <p:nvPr/>
+        </p:nvSpPr>
+        <p:spPr>
+          <a:xfrm rot="18900000">
+            <a:off x="5577963" y="1308839"/>
+            <a:ext cx="436223" cy="448014"/>
+          </a:xfrm>
+          <a:prstGeom prst="arc">
+            <a:avLst>
+              <a:gd name="adj1" fmla="val 16588616"/>
+              <a:gd name="adj2" fmla="val 21145174"/>
+            </a:avLst>
+          </a:prstGeom>
+          <a:ln w="127000" cap="sq">
+            <a:solidFill>
+              <a:srgbClr val="5E8A75"/>
+            </a:solidFill>
+            <a:round/>
+          </a:ln>
+        </p:spPr>
+        <p:style>
+          <a:lnRef idx="1">
+            <a:schemeClr val="accent1"/>
+          </a:lnRef>
+          <a:fillRef idx="0">
+            <a:schemeClr val="accent1"/>
+          </a:fillRef>
+          <a:effectRef idx="0">
+            <a:schemeClr val="accent1"/>
+          </a:effectRef>
+          <a:fontRef idx="minor">
+            <a:schemeClr val="tx1"/>
+          </a:fontRef>
+        </p:style>
+        <p:txBody>
+          <a:bodyPr rtlCol="0" anchor="ctr"/>
+          <a:lstStyle/>
+          <a:p>
+            <a:pPr algn="ctr"/>
+            <a:endParaRPr lang="de-DE"/>
+          </a:p>
+        </p:txBody>
+      </p:sp>
+      <p:cxnSp>
+        <p:nvCxnSpPr>
+          <p:cNvPr id="12" name="Straight Connector 11">
+            <a:extLst>
+              <a:ext uri="{FF2B5EF4-FFF2-40B4-BE49-F238E27FC236}">
+                <a16:creationId xmlns:a16="http://schemas.microsoft.com/office/drawing/2014/main" id="{769A67D2-EA3E-0E49-D6D2-9F58BE00991B}"/>
+              </a:ext>
+            </a:extLst>
+          </p:cNvPr>
+          <p:cNvCxnSpPr>
+            <a:cxnSpLocks/>
+          </p:cNvCxnSpPr>
+          <p:nvPr/>
+        </p:nvCxnSpPr>
+        <p:spPr>
+          <a:xfrm flipV="1">
+            <a:off x="4101306" y="1419185"/>
+            <a:ext cx="1471994" cy="1152565"/>
+          </a:xfrm>
+          <a:prstGeom prst="line">
+            <a:avLst/>
+          </a:prstGeom>
+          <a:ln w="127000" cap="sq">
+            <a:solidFill>
+              <a:srgbClr val="5E8A75"/>
+            </a:solidFill>
+            <a:round/>
+          </a:ln>
+        </p:spPr>
+        <p:style>
+          <a:lnRef idx="1">
+            <a:schemeClr val="accent1"/>
+          </a:lnRef>
+          <a:fillRef idx="0">
+            <a:schemeClr val="accent1"/>
+          </a:fillRef>
+          <a:effectRef idx="0">
+            <a:schemeClr val="accent1"/>
+          </a:effectRef>
+          <a:fontRef idx="minor">
+            <a:schemeClr val="tx1"/>
+          </a:fontRef>
+        </p:style>
+      </p:cxnSp>
+      <p:cxnSp>
+        <p:nvCxnSpPr>
+          <p:cNvPr id="14" name="Straight Connector 13">
+            <a:extLst>
+              <a:ext uri="{FF2B5EF4-FFF2-40B4-BE49-F238E27FC236}">
+                <a16:creationId xmlns:a16="http://schemas.microsoft.com/office/drawing/2014/main" id="{0444251A-F06C-B893-7622-D761EB4B1A26}"/>
+              </a:ext>
+            </a:extLst>
+          </p:cNvPr>
+          <p:cNvCxnSpPr>
+            <a:cxnSpLocks/>
+          </p:cNvCxnSpPr>
+          <p:nvPr/>
+        </p:nvCxnSpPr>
+        <p:spPr>
+          <a:xfrm flipH="1" flipV="1">
+            <a:off x="5993220" y="1419185"/>
+            <a:ext cx="1471994" cy="1152565"/>
+          </a:xfrm>
+          <a:prstGeom prst="line">
+            <a:avLst/>
+          </a:prstGeom>
+          <a:ln w="127000" cap="sq">
+            <a:solidFill>
+              <a:srgbClr val="5E8A75"/>
+            </a:solidFill>
+            <a:round/>
+          </a:ln>
+        </p:spPr>
+        <p:style>
+          <a:lnRef idx="1">
+            <a:schemeClr val="accent1"/>
+          </a:lnRef>
+          <a:fillRef idx="0">
+            <a:schemeClr val="accent1"/>
+          </a:fillRef>
+          <a:effectRef idx="0">
+            <a:schemeClr val="accent1"/>
+          </a:effectRef>
+          <a:fontRef idx="minor">
+            <a:schemeClr val="tx1"/>
+          </a:fontRef>
+        </p:style>
+      </p:cxnSp>
+      <p:cxnSp>
+        <p:nvCxnSpPr>
+          <p:cNvPr id="15" name="Straight Connector 14">
+            <a:extLst>
+              <a:ext uri="{FF2B5EF4-FFF2-40B4-BE49-F238E27FC236}">
+                <a16:creationId xmlns:a16="http://schemas.microsoft.com/office/drawing/2014/main" id="{BEA258C6-BC37-FA9B-3305-A0D48C422991}"/>
+              </a:ext>
+            </a:extLst>
+          </p:cNvPr>
+          <p:cNvCxnSpPr>
+            <a:cxnSpLocks/>
+          </p:cNvCxnSpPr>
+          <p:nvPr/>
+        </p:nvCxnSpPr>
+        <p:spPr>
+          <a:xfrm flipV="1">
+            <a:off x="7150919" y="2379705"/>
+            <a:ext cx="0" cy="1423945"/>
+          </a:xfrm>
+          <a:prstGeom prst="line">
+            <a:avLst/>
+          </a:prstGeom>
+          <a:ln w="127000" cap="sq">
+            <a:solidFill>
+              <a:srgbClr val="5E8A75"/>
+            </a:solidFill>
+            <a:round/>
+          </a:ln>
+        </p:spPr>
+        <p:style>
+          <a:lnRef idx="1">
+            <a:schemeClr val="accent1"/>
+          </a:lnRef>
+          <a:fillRef idx="0">
+            <a:schemeClr val="accent1"/>
+          </a:fillRef>
+          <a:effectRef idx="0">
+            <a:schemeClr val="accent1"/>
+          </a:effectRef>
+          <a:fontRef idx="minor">
+            <a:schemeClr val="tx1"/>
+          </a:fontRef>
+        </p:style>
+      </p:cxnSp>
+      <p:cxnSp>
+        <p:nvCxnSpPr>
+          <p:cNvPr id="18" name="Straight Connector 17">
+            <a:extLst>
+              <a:ext uri="{FF2B5EF4-FFF2-40B4-BE49-F238E27FC236}">
+                <a16:creationId xmlns:a16="http://schemas.microsoft.com/office/drawing/2014/main" id="{90927500-5F33-1ECD-5290-977E3C9E475A}"/>
+              </a:ext>
+            </a:extLst>
+          </p:cNvPr>
+          <p:cNvCxnSpPr>
+            <a:cxnSpLocks/>
+          </p:cNvCxnSpPr>
+          <p:nvPr/>
+        </p:nvCxnSpPr>
+        <p:spPr>
+          <a:xfrm flipV="1">
+            <a:off x="4420419" y="2379705"/>
+            <a:ext cx="0" cy="1423945"/>
+          </a:xfrm>
+          <a:prstGeom prst="line">
+            <a:avLst/>
+          </a:prstGeom>
+          <a:ln w="127000" cap="sq">
+            <a:solidFill>
+              <a:srgbClr val="5E8A75"/>
+            </a:solidFill>
+            <a:round/>
+          </a:ln>
+        </p:spPr>
+        <p:style>
+          <a:lnRef idx="1">
+            <a:schemeClr val="accent1"/>
+          </a:lnRef>
+          <a:fillRef idx="0">
+            <a:schemeClr val="accent1"/>
+          </a:fillRef>
+          <a:effectRef idx="0">
+            <a:schemeClr val="accent1"/>
+          </a:effectRef>
+          <a:fontRef idx="minor">
+            <a:schemeClr val="tx1"/>
+          </a:fontRef>
+        </p:style>
+      </p:cxnSp>
+      <p:sp>
+        <p:nvSpPr>
+          <p:cNvPr id="20" name="Rectangle: Rounded Corners 19">
+            <a:extLst>
+              <a:ext uri="{FF2B5EF4-FFF2-40B4-BE49-F238E27FC236}">
+                <a16:creationId xmlns:a16="http://schemas.microsoft.com/office/drawing/2014/main" id="{9A16ACE2-1FF4-F2CA-0433-116B36C87C21}"/>
+              </a:ext>
+            </a:extLst>
+          </p:cNvPr>
+          <p:cNvSpPr/>
+          <p:nvPr/>
+        </p:nvSpPr>
+        <p:spPr>
+          <a:xfrm>
+            <a:off x="4739533" y="2609619"/>
+            <a:ext cx="577008" cy="724131"/>
+          </a:xfrm>
+          <a:prstGeom prst="roundRect">
+            <a:avLst>
+              <a:gd name="adj" fmla="val 3270"/>
+            </a:avLst>
+          </a:prstGeom>
+          <a:ln w="127000" cap="sq">
+            <a:solidFill>
+              <a:srgbClr val="5E8A75"/>
+            </a:solidFill>
+            <a:round/>
+          </a:ln>
+        </p:spPr>
+        <p:style>
+          <a:lnRef idx="1">
+            <a:schemeClr val="accent1"/>
+          </a:lnRef>
+          <a:fillRef idx="0">
+            <a:schemeClr val="accent1"/>
+          </a:fillRef>
+          <a:effectRef idx="0">
+            <a:schemeClr val="accent1"/>
+          </a:effectRef>
+          <a:fontRef idx="minor">
+            <a:schemeClr val="tx1"/>
+          </a:fontRef>
+        </p:style>
+        <p:txBody>
+          <a:bodyPr rtlCol="0" anchor="ctr"/>
+          <a:lstStyle/>
+          <a:p>
+            <a:pPr algn="ctr"/>
+            <a:endParaRPr lang="de-DE"/>
+          </a:p>
+        </p:txBody>
+      </p:sp>
+      <p:sp>
+        <p:nvSpPr>
+          <p:cNvPr id="21" name="Rectangle: Rounded Corners 20">
+            <a:extLst>
+              <a:ext uri="{FF2B5EF4-FFF2-40B4-BE49-F238E27FC236}">
+                <a16:creationId xmlns:a16="http://schemas.microsoft.com/office/drawing/2014/main" id="{D2F5EB64-08CA-2906-AECE-06F80C94876D}"/>
+              </a:ext>
+            </a:extLst>
+          </p:cNvPr>
+          <p:cNvSpPr/>
+          <p:nvPr/>
+        </p:nvSpPr>
+        <p:spPr>
+          <a:xfrm>
+            <a:off x="5820195" y="2609619"/>
+            <a:ext cx="752051" cy="1333731"/>
+          </a:xfrm>
+          <a:prstGeom prst="roundRect">
+            <a:avLst>
+              <a:gd name="adj" fmla="val 3270"/>
+            </a:avLst>
+          </a:prstGeom>
+          <a:ln w="127000" cap="sq">
+            <a:solidFill>
+              <a:srgbClr val="5E8A75"/>
+            </a:solidFill>
+            <a:round/>
+          </a:ln>
+        </p:spPr>
+        <p:style>
+          <a:lnRef idx="1">
+            <a:schemeClr val="accent1"/>
+          </a:lnRef>
+          <a:fillRef idx="0">
+            <a:schemeClr val="accent1"/>
+          </a:fillRef>
+          <a:effectRef idx="0">
+            <a:schemeClr val="accent1"/>
+          </a:effectRef>
+          <a:fontRef idx="minor">
+            <a:schemeClr val="tx1"/>
+          </a:fontRef>
+        </p:style>
+        <p:txBody>
+          <a:bodyPr rtlCol="0" anchor="ctr"/>
+          <a:lstStyle/>
+          <a:p>
+            <a:pPr algn="ctr"/>
+            <a:endParaRPr lang="de-DE"/>
+          </a:p>
+        </p:txBody>
+      </p:sp>
+      <p:sp>
+        <p:nvSpPr>
+          <p:cNvPr id="22" name="Rectangle 21">
+            <a:extLst>
+              <a:ext uri="{FF2B5EF4-FFF2-40B4-BE49-F238E27FC236}">
+                <a16:creationId xmlns:a16="http://schemas.microsoft.com/office/drawing/2014/main" id="{03D0F819-7F8A-F036-2194-CD132F82EFCF}"/>
+              </a:ext>
+            </a:extLst>
+          </p:cNvPr>
+          <p:cNvSpPr/>
+          <p:nvPr/>
+        </p:nvSpPr>
+        <p:spPr>
+          <a:xfrm>
+            <a:off x="5637620" y="3865365"/>
+            <a:ext cx="1188630" cy="122436"/>
+          </a:xfrm>
+          <a:prstGeom prst="rect">
+            <a:avLst/>
+          </a:prstGeom>
+          <a:solidFill>
+            <a:schemeClr val="bg1"/>
+          </a:solidFill>
+          <a:ln>
+            <a:noFill/>
+          </a:ln>
+        </p:spPr>
+        <p:style>
+          <a:lnRef idx="2">
+            <a:schemeClr val="accent1">
+              <a:shade val="15000"/>
+            </a:schemeClr>
+          </a:lnRef>
+          <a:fillRef idx="1">
+            <a:schemeClr val="accent1"/>
+          </a:fillRef>
+          <a:effectRef idx="0">
+            <a:schemeClr val="accent1"/>
+          </a:effectRef>
+          <a:fontRef idx="minor">
+            <a:schemeClr val="lt1"/>
+          </a:fontRef>
+        </p:style>
+        <p:txBody>
+          <a:bodyPr rtlCol="0" anchor="ctr"/>
+          <a:lstStyle/>
+          <a:p>
+            <a:pPr algn="ctr"/>
+            <a:endParaRPr lang="de-DE"/>
+          </a:p>
+        </p:txBody>
+      </p:sp>
+      <p:sp>
+        <p:nvSpPr>
+          <p:cNvPr id="23" name="Rectangle 22">
+            <a:extLst>
+              <a:ext uri="{FF2B5EF4-FFF2-40B4-BE49-F238E27FC236}">
+                <a16:creationId xmlns:a16="http://schemas.microsoft.com/office/drawing/2014/main" id="{0E605738-A72D-4826-356E-7B30780E3826}"/>
+              </a:ext>
+            </a:extLst>
+          </p:cNvPr>
+          <p:cNvSpPr/>
+          <p:nvPr/>
+        </p:nvSpPr>
+        <p:spPr>
+          <a:xfrm>
+            <a:off x="4636704" y="2526919"/>
+            <a:ext cx="308407" cy="444765"/>
+          </a:xfrm>
+          <a:prstGeom prst="rect">
+            <a:avLst/>
+          </a:prstGeom>
+          <a:solidFill>
+            <a:schemeClr val="bg1"/>
+          </a:solidFill>
+          <a:ln>
+            <a:noFill/>
+          </a:ln>
+        </p:spPr>
+        <p:style>
+          <a:lnRef idx="2">
+            <a:schemeClr val="accent1">
+              <a:shade val="15000"/>
+            </a:schemeClr>
+          </a:lnRef>
+          <a:fillRef idx="1">
+            <a:schemeClr val="accent1"/>
+          </a:fillRef>
+          <a:effectRef idx="0">
+            <a:schemeClr val="accent1"/>
+          </a:effectRef>
+          <a:fontRef idx="minor">
+            <a:schemeClr val="lt1"/>
+          </a:fontRef>
+        </p:style>
+        <p:txBody>
+          <a:bodyPr rtlCol="0" anchor="ctr"/>
+          <a:lstStyle/>
+          <a:p>
+            <a:pPr algn="ctr"/>
+            <a:endParaRPr lang="de-DE"/>
+          </a:p>
+        </p:txBody>
+      </p:sp>
+      <p:sp>
+        <p:nvSpPr>
+          <p:cNvPr id="24" name="Rectangle 23">
+            <a:extLst>
+              <a:ext uri="{FF2B5EF4-FFF2-40B4-BE49-F238E27FC236}">
+                <a16:creationId xmlns:a16="http://schemas.microsoft.com/office/drawing/2014/main" id="{A532638E-62A6-D3D2-4815-30DCE4F34555}"/>
+              </a:ext>
+            </a:extLst>
+          </p:cNvPr>
+          <p:cNvSpPr/>
+          <p:nvPr/>
+        </p:nvSpPr>
+        <p:spPr>
+          <a:xfrm>
+            <a:off x="6221823" y="3155685"/>
+            <a:ext cx="159928" cy="178065"/>
+          </a:xfrm>
+          <a:prstGeom prst="rect">
+            <a:avLst/>
+          </a:prstGeom>
+          <a:solidFill>
+            <a:srgbClr val="5E8A75"/>
+          </a:solidFill>
+          <a:ln>
+            <a:noFill/>
+          </a:ln>
+        </p:spPr>
+        <p:style>
+          <a:lnRef idx="2">
+            <a:schemeClr val="accent1">
+              <a:shade val="15000"/>
+            </a:schemeClr>
+          </a:lnRef>
+          <a:fillRef idx="1">
+            <a:schemeClr val="accent1"/>
+          </a:fillRef>
+          <a:effectRef idx="0">
+            <a:schemeClr val="accent1"/>
+          </a:effectRef>
+          <a:fontRef idx="minor">
+            <a:schemeClr val="lt1"/>
+          </a:fontRef>
+        </p:style>
+        <p:txBody>
+          <a:bodyPr rtlCol="0" anchor="ctr"/>
+          <a:lstStyle/>
+          <a:p>
+            <a:pPr algn="ctr"/>
+            <a:endParaRPr lang="de-DE"/>
+          </a:p>
+        </p:txBody>
+      </p:sp>
+      <p:cxnSp>
+        <p:nvCxnSpPr>
+          <p:cNvPr id="3" name="Straight Connector 2">
+            <a:extLst>
+              <a:ext uri="{FF2B5EF4-FFF2-40B4-BE49-F238E27FC236}">
+                <a16:creationId xmlns:a16="http://schemas.microsoft.com/office/drawing/2014/main" id="{FF8B0F4C-A42F-3436-F766-2BCB456E6DCB}"/>
+              </a:ext>
+            </a:extLst>
+          </p:cNvPr>
+          <p:cNvCxnSpPr/>
+          <p:nvPr/>
+        </p:nvCxnSpPr>
+        <p:spPr>
+          <a:xfrm>
+            <a:off x="2847711" y="4053617"/>
+            <a:ext cx="5891738" cy="0"/>
+          </a:xfrm>
+          <a:prstGeom prst="line">
+            <a:avLst/>
+          </a:prstGeom>
+          <a:ln w="127000" cap="sq">
+            <a:solidFill>
+              <a:srgbClr val="5E8A75"/>
+            </a:solidFill>
+            <a:round/>
+          </a:ln>
+        </p:spPr>
+        <p:style>
+          <a:lnRef idx="1">
+            <a:schemeClr val="accent1"/>
+          </a:lnRef>
+          <a:fillRef idx="0">
+            <a:schemeClr val="accent1"/>
+          </a:fillRef>
+          <a:effectRef idx="0">
+            <a:schemeClr val="accent1"/>
+          </a:effectRef>
+          <a:fontRef idx="minor">
+            <a:schemeClr val="tx1"/>
+          </a:fontRef>
+        </p:style>
+      </p:cxnSp>
     </p:spTree>
     <p:extLst>
       <p:ext uri="{BB962C8B-B14F-4D97-AF65-F5344CB8AC3E}">
-        <p14:creationId xmlns:p14="http://schemas.microsoft.com/office/powerpoint/2010/main" val="3795468541"/>
+        <p14:creationId xmlns:p14="http://schemas.microsoft.com/office/powerpoint/2010/main" val="3704031149"/>
+      </p:ext>
+    </p:extLst>
+  </p:cSld>
+  <p:clrMapOvr>
+    <a:masterClrMapping/>
+  </p:clrMapOvr>
+</p:sld>
+</file>
+
+<file path=ppt/slides/slide5.xml><?xml version="1.0" encoding="utf-8"?>
+<p:sld xmlns:a="http://schemas.openxmlformats.org/drawingml/2006/main" xmlns:r="http://schemas.openxmlformats.org/officeDocument/2006/relationships" xmlns:p="http://schemas.openxmlformats.org/presentationml/2006/main">
+  <p:cSld>
+    <p:spTree>
+      <p:nvGrpSpPr>
+        <p:cNvPr id="1" name=""/>
+        <p:cNvGrpSpPr/>
+        <p:nvPr/>
+      </p:nvGrpSpPr>
+      <p:grpSpPr>
+        <a:xfrm>
+          <a:off x="0" y="0"/>
+          <a:ext cx="0" cy="0"/>
+          <a:chOff x="0" y="0"/>
+          <a:chExt cx="0" cy="0"/>
+        </a:xfrm>
+      </p:grpSpPr>
+      <p:grpSp>
+        <p:nvGrpSpPr>
+          <p:cNvPr id="7" name="Group 6">
+            <a:extLst>
+              <a:ext uri="{FF2B5EF4-FFF2-40B4-BE49-F238E27FC236}">
+                <a16:creationId xmlns:a16="http://schemas.microsoft.com/office/drawing/2014/main" id="{AE31140A-6D30-D62B-8BAB-F0EE1C133FCD}"/>
+              </a:ext>
+            </a:extLst>
+          </p:cNvPr>
+          <p:cNvGrpSpPr/>
+          <p:nvPr/>
+        </p:nvGrpSpPr>
+        <p:grpSpPr>
+          <a:xfrm>
+            <a:off x="4111625" y="1308839"/>
+            <a:ext cx="3363908" cy="2678962"/>
+            <a:chOff x="4101306" y="1308839"/>
+            <a:chExt cx="3363908" cy="2678962"/>
+          </a:xfrm>
+        </p:grpSpPr>
+        <p:sp>
+          <p:nvSpPr>
+            <p:cNvPr id="11" name="Arc 10">
+              <a:extLst>
+                <a:ext uri="{FF2B5EF4-FFF2-40B4-BE49-F238E27FC236}">
+                  <a16:creationId xmlns:a16="http://schemas.microsoft.com/office/drawing/2014/main" id="{4E131A31-9843-995C-BF88-3F30A5F57E96}"/>
+                </a:ext>
+              </a:extLst>
+            </p:cNvPr>
+            <p:cNvSpPr/>
+            <p:nvPr/>
+          </p:nvSpPr>
+          <p:spPr>
+            <a:xfrm rot="18900000">
+              <a:off x="5577963" y="1308839"/>
+              <a:ext cx="436223" cy="448014"/>
+            </a:xfrm>
+            <a:prstGeom prst="arc">
+              <a:avLst>
+                <a:gd name="adj1" fmla="val 16588616"/>
+                <a:gd name="adj2" fmla="val 21145174"/>
+              </a:avLst>
+            </a:prstGeom>
+            <a:ln w="127000" cap="sq">
+              <a:solidFill>
+                <a:srgbClr val="5E8A75"/>
+              </a:solidFill>
+              <a:round/>
+            </a:ln>
+          </p:spPr>
+          <p:style>
+            <a:lnRef idx="1">
+              <a:schemeClr val="accent1"/>
+            </a:lnRef>
+            <a:fillRef idx="0">
+              <a:schemeClr val="accent1"/>
+            </a:fillRef>
+            <a:effectRef idx="0">
+              <a:schemeClr val="accent1"/>
+            </a:effectRef>
+            <a:fontRef idx="minor">
+              <a:schemeClr val="tx1"/>
+            </a:fontRef>
+          </p:style>
+          <p:txBody>
+            <a:bodyPr rtlCol="0" anchor="ctr"/>
+            <a:lstStyle/>
+            <a:p>
+              <a:pPr algn="ctr"/>
+              <a:endParaRPr lang="de-DE"/>
+            </a:p>
+          </p:txBody>
+        </p:sp>
+        <p:cxnSp>
+          <p:nvCxnSpPr>
+            <p:cNvPr id="12" name="Straight Connector 11">
+              <a:extLst>
+                <a:ext uri="{FF2B5EF4-FFF2-40B4-BE49-F238E27FC236}">
+                  <a16:creationId xmlns:a16="http://schemas.microsoft.com/office/drawing/2014/main" id="{769A67D2-EA3E-0E49-D6D2-9F58BE00991B}"/>
+                </a:ext>
+              </a:extLst>
+            </p:cNvPr>
+            <p:cNvCxnSpPr>
+              <a:cxnSpLocks/>
+            </p:cNvCxnSpPr>
+            <p:nvPr/>
+          </p:nvCxnSpPr>
+          <p:spPr>
+            <a:xfrm flipV="1">
+              <a:off x="4101306" y="1419185"/>
+              <a:ext cx="1471994" cy="1152565"/>
+            </a:xfrm>
+            <a:prstGeom prst="line">
+              <a:avLst/>
+            </a:prstGeom>
+            <a:ln w="127000" cap="sq">
+              <a:solidFill>
+                <a:srgbClr val="5E8A75"/>
+              </a:solidFill>
+              <a:round/>
+            </a:ln>
+          </p:spPr>
+          <p:style>
+            <a:lnRef idx="1">
+              <a:schemeClr val="accent1"/>
+            </a:lnRef>
+            <a:fillRef idx="0">
+              <a:schemeClr val="accent1"/>
+            </a:fillRef>
+            <a:effectRef idx="0">
+              <a:schemeClr val="accent1"/>
+            </a:effectRef>
+            <a:fontRef idx="minor">
+              <a:schemeClr val="tx1"/>
+            </a:fontRef>
+          </p:style>
+        </p:cxnSp>
+        <p:cxnSp>
+          <p:nvCxnSpPr>
+            <p:cNvPr id="14" name="Straight Connector 13">
+              <a:extLst>
+                <a:ext uri="{FF2B5EF4-FFF2-40B4-BE49-F238E27FC236}">
+                  <a16:creationId xmlns:a16="http://schemas.microsoft.com/office/drawing/2014/main" id="{0444251A-F06C-B893-7622-D761EB4B1A26}"/>
+                </a:ext>
+              </a:extLst>
+            </p:cNvPr>
+            <p:cNvCxnSpPr>
+              <a:cxnSpLocks/>
+            </p:cNvCxnSpPr>
+            <p:nvPr/>
+          </p:nvCxnSpPr>
+          <p:spPr>
+            <a:xfrm flipH="1" flipV="1">
+              <a:off x="5993220" y="1419185"/>
+              <a:ext cx="1471994" cy="1152565"/>
+            </a:xfrm>
+            <a:prstGeom prst="line">
+              <a:avLst/>
+            </a:prstGeom>
+            <a:ln w="127000" cap="sq">
+              <a:solidFill>
+                <a:srgbClr val="5E8A75"/>
+              </a:solidFill>
+              <a:round/>
+            </a:ln>
+          </p:spPr>
+          <p:style>
+            <a:lnRef idx="1">
+              <a:schemeClr val="accent1"/>
+            </a:lnRef>
+            <a:fillRef idx="0">
+              <a:schemeClr val="accent1"/>
+            </a:fillRef>
+            <a:effectRef idx="0">
+              <a:schemeClr val="accent1"/>
+            </a:effectRef>
+            <a:fontRef idx="minor">
+              <a:schemeClr val="tx1"/>
+            </a:fontRef>
+          </p:style>
+        </p:cxnSp>
+        <p:cxnSp>
+          <p:nvCxnSpPr>
+            <p:cNvPr id="15" name="Straight Connector 14">
+              <a:extLst>
+                <a:ext uri="{FF2B5EF4-FFF2-40B4-BE49-F238E27FC236}">
+                  <a16:creationId xmlns:a16="http://schemas.microsoft.com/office/drawing/2014/main" id="{BEA258C6-BC37-FA9B-3305-A0D48C422991}"/>
+                </a:ext>
+              </a:extLst>
+            </p:cNvPr>
+            <p:cNvCxnSpPr>
+              <a:cxnSpLocks/>
+            </p:cNvCxnSpPr>
+            <p:nvPr/>
+          </p:nvCxnSpPr>
+          <p:spPr>
+            <a:xfrm flipV="1">
+              <a:off x="7150919" y="2379705"/>
+              <a:ext cx="0" cy="1423945"/>
+            </a:xfrm>
+            <a:prstGeom prst="line">
+              <a:avLst/>
+            </a:prstGeom>
+            <a:ln w="127000" cap="sq">
+              <a:solidFill>
+                <a:srgbClr val="5E8A75"/>
+              </a:solidFill>
+              <a:round/>
+            </a:ln>
+          </p:spPr>
+          <p:style>
+            <a:lnRef idx="1">
+              <a:schemeClr val="accent1"/>
+            </a:lnRef>
+            <a:fillRef idx="0">
+              <a:schemeClr val="accent1"/>
+            </a:fillRef>
+            <a:effectRef idx="0">
+              <a:schemeClr val="accent1"/>
+            </a:effectRef>
+            <a:fontRef idx="minor">
+              <a:schemeClr val="tx1"/>
+            </a:fontRef>
+          </p:style>
+        </p:cxnSp>
+        <p:cxnSp>
+          <p:nvCxnSpPr>
+            <p:cNvPr id="18" name="Straight Connector 17">
+              <a:extLst>
+                <a:ext uri="{FF2B5EF4-FFF2-40B4-BE49-F238E27FC236}">
+                  <a16:creationId xmlns:a16="http://schemas.microsoft.com/office/drawing/2014/main" id="{90927500-5F33-1ECD-5290-977E3C9E475A}"/>
+                </a:ext>
+              </a:extLst>
+            </p:cNvPr>
+            <p:cNvCxnSpPr>
+              <a:cxnSpLocks/>
+            </p:cNvCxnSpPr>
+            <p:nvPr/>
+          </p:nvCxnSpPr>
+          <p:spPr>
+            <a:xfrm flipV="1">
+              <a:off x="4420419" y="2379705"/>
+              <a:ext cx="0" cy="1423945"/>
+            </a:xfrm>
+            <a:prstGeom prst="line">
+              <a:avLst/>
+            </a:prstGeom>
+            <a:ln w="127000" cap="sq">
+              <a:solidFill>
+                <a:srgbClr val="5E8A75"/>
+              </a:solidFill>
+              <a:round/>
+            </a:ln>
+          </p:spPr>
+          <p:style>
+            <a:lnRef idx="1">
+              <a:schemeClr val="accent1"/>
+            </a:lnRef>
+            <a:fillRef idx="0">
+              <a:schemeClr val="accent1"/>
+            </a:fillRef>
+            <a:effectRef idx="0">
+              <a:schemeClr val="accent1"/>
+            </a:effectRef>
+            <a:fontRef idx="minor">
+              <a:schemeClr val="tx1"/>
+            </a:fontRef>
+          </p:style>
+        </p:cxnSp>
+        <p:sp>
+          <p:nvSpPr>
+            <p:cNvPr id="20" name="Rectangle: Rounded Corners 19">
+              <a:extLst>
+                <a:ext uri="{FF2B5EF4-FFF2-40B4-BE49-F238E27FC236}">
+                  <a16:creationId xmlns:a16="http://schemas.microsoft.com/office/drawing/2014/main" id="{9A16ACE2-1FF4-F2CA-0433-116B36C87C21}"/>
+                </a:ext>
+              </a:extLst>
+            </p:cNvPr>
+            <p:cNvSpPr/>
+            <p:nvPr/>
+          </p:nvSpPr>
+          <p:spPr>
+            <a:xfrm>
+              <a:off x="4739533" y="2609619"/>
+              <a:ext cx="577008" cy="724131"/>
+            </a:xfrm>
+            <a:prstGeom prst="roundRect">
+              <a:avLst>
+                <a:gd name="adj" fmla="val 3270"/>
+              </a:avLst>
+            </a:prstGeom>
+            <a:ln w="127000" cap="sq">
+              <a:solidFill>
+                <a:srgbClr val="5E8A75"/>
+              </a:solidFill>
+              <a:round/>
+            </a:ln>
+          </p:spPr>
+          <p:style>
+            <a:lnRef idx="1">
+              <a:schemeClr val="accent1"/>
+            </a:lnRef>
+            <a:fillRef idx="0">
+              <a:schemeClr val="accent1"/>
+            </a:fillRef>
+            <a:effectRef idx="0">
+              <a:schemeClr val="accent1"/>
+            </a:effectRef>
+            <a:fontRef idx="minor">
+              <a:schemeClr val="tx1"/>
+            </a:fontRef>
+          </p:style>
+          <p:txBody>
+            <a:bodyPr rtlCol="0" anchor="ctr"/>
+            <a:lstStyle/>
+            <a:p>
+              <a:pPr algn="ctr"/>
+              <a:endParaRPr lang="de-DE"/>
+            </a:p>
+          </p:txBody>
+        </p:sp>
+        <p:sp>
+          <p:nvSpPr>
+            <p:cNvPr id="21" name="Rectangle: Rounded Corners 20">
+              <a:extLst>
+                <a:ext uri="{FF2B5EF4-FFF2-40B4-BE49-F238E27FC236}">
+                  <a16:creationId xmlns:a16="http://schemas.microsoft.com/office/drawing/2014/main" id="{D2F5EB64-08CA-2906-AECE-06F80C94876D}"/>
+                </a:ext>
+              </a:extLst>
+            </p:cNvPr>
+            <p:cNvSpPr/>
+            <p:nvPr/>
+          </p:nvSpPr>
+          <p:spPr>
+            <a:xfrm>
+              <a:off x="5820195" y="2609619"/>
+              <a:ext cx="752051" cy="1333731"/>
+            </a:xfrm>
+            <a:prstGeom prst="roundRect">
+              <a:avLst>
+                <a:gd name="adj" fmla="val 3270"/>
+              </a:avLst>
+            </a:prstGeom>
+            <a:ln w="127000" cap="sq">
+              <a:solidFill>
+                <a:srgbClr val="5E8A75"/>
+              </a:solidFill>
+              <a:round/>
+            </a:ln>
+          </p:spPr>
+          <p:style>
+            <a:lnRef idx="1">
+              <a:schemeClr val="accent1"/>
+            </a:lnRef>
+            <a:fillRef idx="0">
+              <a:schemeClr val="accent1"/>
+            </a:fillRef>
+            <a:effectRef idx="0">
+              <a:schemeClr val="accent1"/>
+            </a:effectRef>
+            <a:fontRef idx="minor">
+              <a:schemeClr val="tx1"/>
+            </a:fontRef>
+          </p:style>
+          <p:txBody>
+            <a:bodyPr rtlCol="0" anchor="ctr"/>
+            <a:lstStyle/>
+            <a:p>
+              <a:pPr algn="ctr"/>
+              <a:endParaRPr lang="de-DE"/>
+            </a:p>
+          </p:txBody>
+        </p:sp>
+        <p:sp>
+          <p:nvSpPr>
+            <p:cNvPr id="22" name="Rectangle 21">
+              <a:extLst>
+                <a:ext uri="{FF2B5EF4-FFF2-40B4-BE49-F238E27FC236}">
+                  <a16:creationId xmlns:a16="http://schemas.microsoft.com/office/drawing/2014/main" id="{03D0F819-7F8A-F036-2194-CD132F82EFCF}"/>
+                </a:ext>
+              </a:extLst>
+            </p:cNvPr>
+            <p:cNvSpPr/>
+            <p:nvPr/>
+          </p:nvSpPr>
+          <p:spPr>
+            <a:xfrm>
+              <a:off x="5637620" y="3865365"/>
+              <a:ext cx="1188630" cy="122436"/>
+            </a:xfrm>
+            <a:prstGeom prst="rect">
+              <a:avLst/>
+            </a:prstGeom>
+            <a:solidFill>
+              <a:schemeClr val="bg1"/>
+            </a:solidFill>
+            <a:ln>
+              <a:noFill/>
+            </a:ln>
+          </p:spPr>
+          <p:style>
+            <a:lnRef idx="2">
+              <a:schemeClr val="accent1">
+                <a:shade val="15000"/>
+              </a:schemeClr>
+            </a:lnRef>
+            <a:fillRef idx="1">
+              <a:schemeClr val="accent1"/>
+            </a:fillRef>
+            <a:effectRef idx="0">
+              <a:schemeClr val="accent1"/>
+            </a:effectRef>
+            <a:fontRef idx="minor">
+              <a:schemeClr val="lt1"/>
+            </a:fontRef>
+          </p:style>
+          <p:txBody>
+            <a:bodyPr rtlCol="0" anchor="ctr"/>
+            <a:lstStyle/>
+            <a:p>
+              <a:pPr algn="ctr"/>
+              <a:endParaRPr lang="de-DE"/>
+            </a:p>
+          </p:txBody>
+        </p:sp>
+        <p:sp>
+          <p:nvSpPr>
+            <p:cNvPr id="23" name="Rectangle 22">
+              <a:extLst>
+                <a:ext uri="{FF2B5EF4-FFF2-40B4-BE49-F238E27FC236}">
+                  <a16:creationId xmlns:a16="http://schemas.microsoft.com/office/drawing/2014/main" id="{0E605738-A72D-4826-356E-7B30780E3826}"/>
+                </a:ext>
+              </a:extLst>
+            </p:cNvPr>
+            <p:cNvSpPr/>
+            <p:nvPr/>
+          </p:nvSpPr>
+          <p:spPr>
+            <a:xfrm>
+              <a:off x="4636704" y="2526919"/>
+              <a:ext cx="308407" cy="444765"/>
+            </a:xfrm>
+            <a:prstGeom prst="rect">
+              <a:avLst/>
+            </a:prstGeom>
+            <a:solidFill>
+              <a:schemeClr val="bg1"/>
+            </a:solidFill>
+            <a:ln>
+              <a:noFill/>
+            </a:ln>
+          </p:spPr>
+          <p:style>
+            <a:lnRef idx="2">
+              <a:schemeClr val="accent1">
+                <a:shade val="15000"/>
+              </a:schemeClr>
+            </a:lnRef>
+            <a:fillRef idx="1">
+              <a:schemeClr val="accent1"/>
+            </a:fillRef>
+            <a:effectRef idx="0">
+              <a:schemeClr val="accent1"/>
+            </a:effectRef>
+            <a:fontRef idx="minor">
+              <a:schemeClr val="lt1"/>
+            </a:fontRef>
+          </p:style>
+          <p:txBody>
+            <a:bodyPr rtlCol="0" anchor="ctr"/>
+            <a:lstStyle/>
+            <a:p>
+              <a:pPr algn="ctr"/>
+              <a:endParaRPr lang="de-DE"/>
+            </a:p>
+          </p:txBody>
+        </p:sp>
+        <p:sp>
+          <p:nvSpPr>
+            <p:cNvPr id="24" name="Rectangle 23">
+              <a:extLst>
+                <a:ext uri="{FF2B5EF4-FFF2-40B4-BE49-F238E27FC236}">
+                  <a16:creationId xmlns:a16="http://schemas.microsoft.com/office/drawing/2014/main" id="{A532638E-62A6-D3D2-4815-30DCE4F34555}"/>
+                </a:ext>
+              </a:extLst>
+            </p:cNvPr>
+            <p:cNvSpPr/>
+            <p:nvPr/>
+          </p:nvSpPr>
+          <p:spPr>
+            <a:xfrm>
+              <a:off x="6221823" y="3155685"/>
+              <a:ext cx="159928" cy="178065"/>
+            </a:xfrm>
+            <a:prstGeom prst="rect">
+              <a:avLst/>
+            </a:prstGeom>
+            <a:solidFill>
+              <a:srgbClr val="5E8A75"/>
+            </a:solidFill>
+            <a:ln>
+              <a:noFill/>
+            </a:ln>
+          </p:spPr>
+          <p:style>
+            <a:lnRef idx="2">
+              <a:schemeClr val="accent1">
+                <a:shade val="15000"/>
+              </a:schemeClr>
+            </a:lnRef>
+            <a:fillRef idx="1">
+              <a:schemeClr val="accent1"/>
+            </a:fillRef>
+            <a:effectRef idx="0">
+              <a:schemeClr val="accent1"/>
+            </a:effectRef>
+            <a:fontRef idx="minor">
+              <a:schemeClr val="lt1"/>
+            </a:fontRef>
+          </p:style>
+          <p:txBody>
+            <a:bodyPr rtlCol="0" anchor="ctr"/>
+            <a:lstStyle/>
+            <a:p>
+              <a:pPr algn="ctr"/>
+              <a:endParaRPr lang="de-DE"/>
+            </a:p>
+          </p:txBody>
+        </p:sp>
+      </p:grpSp>
+      <p:cxnSp>
+        <p:nvCxnSpPr>
+          <p:cNvPr id="3" name="Straight Connector 2">
+            <a:extLst>
+              <a:ext uri="{FF2B5EF4-FFF2-40B4-BE49-F238E27FC236}">
+                <a16:creationId xmlns:a16="http://schemas.microsoft.com/office/drawing/2014/main" id="{FF8B0F4C-A42F-3436-F766-2BCB456E6DCB}"/>
+              </a:ext>
+            </a:extLst>
+          </p:cNvPr>
+          <p:cNvCxnSpPr>
+            <a:cxnSpLocks/>
+          </p:cNvCxnSpPr>
+          <p:nvPr/>
+        </p:nvCxnSpPr>
+        <p:spPr>
+          <a:xfrm>
+            <a:off x="3618704" y="4053617"/>
+            <a:ext cx="4349750" cy="0"/>
+          </a:xfrm>
+          <a:prstGeom prst="line">
+            <a:avLst/>
+          </a:prstGeom>
+          <a:ln w="127000" cap="sq">
+            <a:solidFill>
+              <a:srgbClr val="5E8A75"/>
+            </a:solidFill>
+            <a:round/>
+          </a:ln>
+        </p:spPr>
+        <p:style>
+          <a:lnRef idx="1">
+            <a:schemeClr val="accent1"/>
+          </a:lnRef>
+          <a:fillRef idx="0">
+            <a:schemeClr val="accent1"/>
+          </a:fillRef>
+          <a:effectRef idx="0">
+            <a:schemeClr val="accent1"/>
+          </a:effectRef>
+          <a:fontRef idx="minor">
+            <a:schemeClr val="tx1"/>
+          </a:fontRef>
+        </p:style>
+      </p:cxnSp>
+      <p:sp>
+        <p:nvSpPr>
+          <p:cNvPr id="2" name="TextBox 1">
+            <a:extLst>
+              <a:ext uri="{FF2B5EF4-FFF2-40B4-BE49-F238E27FC236}">
+                <a16:creationId xmlns:a16="http://schemas.microsoft.com/office/drawing/2014/main" id="{4CC1AD49-1A60-980C-CD8B-DC86FDBE02EA}"/>
+              </a:ext>
+            </a:extLst>
+          </p:cNvPr>
+          <p:cNvSpPr txBox="1"/>
+          <p:nvPr/>
+        </p:nvSpPr>
+        <p:spPr>
+          <a:xfrm>
+            <a:off x="2816639" y="4079418"/>
+            <a:ext cx="5953881" cy="1553592"/>
+          </a:xfrm>
+          <a:prstGeom prst="rect">
+            <a:avLst/>
+          </a:prstGeom>
+          <a:noFill/>
+        </p:spPr>
+        <p:txBody>
+          <a:bodyPr wrap="none" rtlCol="0">
+            <a:noAutofit/>
+          </a:bodyPr>
+          <a:lstStyle/>
+          <a:p>
+            <a:pPr algn="ctr"/>
+            <a:r>
+              <a:rPr lang="de-DE" sz="4800" dirty="0">
+                <a:solidFill>
+                  <a:srgbClr val="5E8A75"/>
+                </a:solidFill>
+                <a:latin typeface="Arial Black" panose="020B0A04020102020204" pitchFamily="34" charset="0"/>
+              </a:rPr>
+              <a:t>FeWo Apland</a:t>
+            </a:r>
+          </a:p>
+        </p:txBody>
+      </p:sp>
+    </p:spTree>
+    <p:extLst>
+      <p:ext uri="{BB962C8B-B14F-4D97-AF65-F5344CB8AC3E}">
+        <p14:creationId xmlns:p14="http://schemas.microsoft.com/office/powerpoint/2010/main" val="2762516045"/>
+      </p:ext>
+    </p:extLst>
+  </p:cSld>
+  <p:clrMapOvr>
+    <a:masterClrMapping/>
+  </p:clrMapOvr>
+</p:sld>
+</file>
+
+<file path=ppt/slides/slide6.xml><?xml version="1.0" encoding="utf-8"?>
+<p:sld xmlns:a="http://schemas.openxmlformats.org/drawingml/2006/main" xmlns:r="http://schemas.openxmlformats.org/officeDocument/2006/relationships" xmlns:p="http://schemas.openxmlformats.org/presentationml/2006/main">
+  <p:cSld>
+    <p:spTree>
+      <p:nvGrpSpPr>
+        <p:cNvPr id="1" name=""/>
+        <p:cNvGrpSpPr/>
+        <p:nvPr/>
+      </p:nvGrpSpPr>
+      <p:grpSpPr>
+        <a:xfrm>
+          <a:off x="0" y="0"/>
+          <a:ext cx="0" cy="0"/>
+          <a:chOff x="0" y="0"/>
+          <a:chExt cx="0" cy="0"/>
+        </a:xfrm>
+      </p:grpSpPr>
+      <p:sp>
+        <p:nvSpPr>
+          <p:cNvPr id="11" name="Arc 10">
+            <a:extLst>
+              <a:ext uri="{FF2B5EF4-FFF2-40B4-BE49-F238E27FC236}">
+                <a16:creationId xmlns:a16="http://schemas.microsoft.com/office/drawing/2014/main" id="{4E131A31-9843-995C-BF88-3F30A5F57E96}"/>
+              </a:ext>
+            </a:extLst>
+          </p:cNvPr>
+          <p:cNvSpPr/>
+          <p:nvPr/>
+        </p:nvSpPr>
+        <p:spPr>
+          <a:xfrm rot="18900000">
+            <a:off x="5588282" y="1308839"/>
+            <a:ext cx="436223" cy="448014"/>
+          </a:xfrm>
+          <a:prstGeom prst="arc">
+            <a:avLst>
+              <a:gd name="adj1" fmla="val 16588616"/>
+              <a:gd name="adj2" fmla="val 21145174"/>
+            </a:avLst>
+          </a:prstGeom>
+          <a:ln w="225425" cap="sq">
+            <a:solidFill>
+              <a:srgbClr val="5E8A75"/>
+            </a:solidFill>
+            <a:round/>
+          </a:ln>
+        </p:spPr>
+        <p:style>
+          <a:lnRef idx="1">
+            <a:schemeClr val="accent1"/>
+          </a:lnRef>
+          <a:fillRef idx="0">
+            <a:schemeClr val="accent1"/>
+          </a:fillRef>
+          <a:effectRef idx="0">
+            <a:schemeClr val="accent1"/>
+          </a:effectRef>
+          <a:fontRef idx="minor">
+            <a:schemeClr val="tx1"/>
+          </a:fontRef>
+        </p:style>
+        <p:txBody>
+          <a:bodyPr rtlCol="0" anchor="ctr"/>
+          <a:lstStyle/>
+          <a:p>
+            <a:pPr algn="ctr"/>
+            <a:endParaRPr lang="de-DE"/>
+          </a:p>
+        </p:txBody>
+      </p:sp>
+      <p:cxnSp>
+        <p:nvCxnSpPr>
+          <p:cNvPr id="12" name="Straight Connector 11">
+            <a:extLst>
+              <a:ext uri="{FF2B5EF4-FFF2-40B4-BE49-F238E27FC236}">
+                <a16:creationId xmlns:a16="http://schemas.microsoft.com/office/drawing/2014/main" id="{769A67D2-EA3E-0E49-D6D2-9F58BE00991B}"/>
+              </a:ext>
+            </a:extLst>
+          </p:cNvPr>
+          <p:cNvCxnSpPr>
+            <a:cxnSpLocks/>
+          </p:cNvCxnSpPr>
+          <p:nvPr/>
+        </p:nvCxnSpPr>
+        <p:spPr>
+          <a:xfrm flipV="1">
+            <a:off x="4111625" y="1419185"/>
+            <a:ext cx="1471994" cy="1152565"/>
+          </a:xfrm>
+          <a:prstGeom prst="line">
+            <a:avLst/>
+          </a:prstGeom>
+          <a:ln w="225425" cap="sq">
+            <a:solidFill>
+              <a:srgbClr val="5E8A75"/>
+            </a:solidFill>
+            <a:round/>
+          </a:ln>
+        </p:spPr>
+        <p:style>
+          <a:lnRef idx="1">
+            <a:schemeClr val="accent1"/>
+          </a:lnRef>
+          <a:fillRef idx="0">
+            <a:schemeClr val="accent1"/>
+          </a:fillRef>
+          <a:effectRef idx="0">
+            <a:schemeClr val="accent1"/>
+          </a:effectRef>
+          <a:fontRef idx="minor">
+            <a:schemeClr val="tx1"/>
+          </a:fontRef>
+        </p:style>
+      </p:cxnSp>
+      <p:cxnSp>
+        <p:nvCxnSpPr>
+          <p:cNvPr id="14" name="Straight Connector 13">
+            <a:extLst>
+              <a:ext uri="{FF2B5EF4-FFF2-40B4-BE49-F238E27FC236}">
+                <a16:creationId xmlns:a16="http://schemas.microsoft.com/office/drawing/2014/main" id="{0444251A-F06C-B893-7622-D761EB4B1A26}"/>
+              </a:ext>
+            </a:extLst>
+          </p:cNvPr>
+          <p:cNvCxnSpPr>
+            <a:cxnSpLocks/>
+          </p:cNvCxnSpPr>
+          <p:nvPr/>
+        </p:nvCxnSpPr>
+        <p:spPr>
+          <a:xfrm flipH="1" flipV="1">
+            <a:off x="6003539" y="1419185"/>
+            <a:ext cx="1471994" cy="1152565"/>
+          </a:xfrm>
+          <a:prstGeom prst="line">
+            <a:avLst/>
+          </a:prstGeom>
+          <a:ln w="225425" cap="sq">
+            <a:solidFill>
+              <a:srgbClr val="5E8A75"/>
+            </a:solidFill>
+            <a:round/>
+          </a:ln>
+        </p:spPr>
+        <p:style>
+          <a:lnRef idx="1">
+            <a:schemeClr val="accent1"/>
+          </a:lnRef>
+          <a:fillRef idx="0">
+            <a:schemeClr val="accent1"/>
+          </a:fillRef>
+          <a:effectRef idx="0">
+            <a:schemeClr val="accent1"/>
+          </a:effectRef>
+          <a:fontRef idx="minor">
+            <a:schemeClr val="tx1"/>
+          </a:fontRef>
+        </p:style>
+      </p:cxnSp>
+      <p:cxnSp>
+        <p:nvCxnSpPr>
+          <p:cNvPr id="15" name="Straight Connector 14">
+            <a:extLst>
+              <a:ext uri="{FF2B5EF4-FFF2-40B4-BE49-F238E27FC236}">
+                <a16:creationId xmlns:a16="http://schemas.microsoft.com/office/drawing/2014/main" id="{BEA258C6-BC37-FA9B-3305-A0D48C422991}"/>
+              </a:ext>
+            </a:extLst>
+          </p:cNvPr>
+          <p:cNvCxnSpPr>
+            <a:cxnSpLocks/>
+          </p:cNvCxnSpPr>
+          <p:nvPr/>
+        </p:nvCxnSpPr>
+        <p:spPr>
+          <a:xfrm flipV="1">
+            <a:off x="7161238" y="2379705"/>
+            <a:ext cx="0" cy="1325520"/>
+          </a:xfrm>
+          <a:prstGeom prst="line">
+            <a:avLst/>
+          </a:prstGeom>
+          <a:ln w="225425" cap="sq">
+            <a:solidFill>
+              <a:srgbClr val="5E8A75"/>
+            </a:solidFill>
+            <a:round/>
+          </a:ln>
+        </p:spPr>
+        <p:style>
+          <a:lnRef idx="1">
+            <a:schemeClr val="accent1"/>
+          </a:lnRef>
+          <a:fillRef idx="0">
+            <a:schemeClr val="accent1"/>
+          </a:fillRef>
+          <a:effectRef idx="0">
+            <a:schemeClr val="accent1"/>
+          </a:effectRef>
+          <a:fontRef idx="minor">
+            <a:schemeClr val="tx1"/>
+          </a:fontRef>
+        </p:style>
+      </p:cxnSp>
+      <p:cxnSp>
+        <p:nvCxnSpPr>
+          <p:cNvPr id="18" name="Straight Connector 17">
+            <a:extLst>
+              <a:ext uri="{FF2B5EF4-FFF2-40B4-BE49-F238E27FC236}">
+                <a16:creationId xmlns:a16="http://schemas.microsoft.com/office/drawing/2014/main" id="{90927500-5F33-1ECD-5290-977E3C9E475A}"/>
+              </a:ext>
+            </a:extLst>
+          </p:cNvPr>
+          <p:cNvCxnSpPr>
+            <a:cxnSpLocks/>
+          </p:cNvCxnSpPr>
+          <p:nvPr/>
+        </p:nvCxnSpPr>
+        <p:spPr>
+          <a:xfrm flipV="1">
+            <a:off x="4430738" y="2379705"/>
+            <a:ext cx="0" cy="1325520"/>
+          </a:xfrm>
+          <a:prstGeom prst="line">
+            <a:avLst/>
+          </a:prstGeom>
+          <a:ln w="225425" cap="sq">
+            <a:solidFill>
+              <a:srgbClr val="5E8A75"/>
+            </a:solidFill>
+            <a:round/>
+          </a:ln>
+        </p:spPr>
+        <p:style>
+          <a:lnRef idx="1">
+            <a:schemeClr val="accent1"/>
+          </a:lnRef>
+          <a:fillRef idx="0">
+            <a:schemeClr val="accent1"/>
+          </a:fillRef>
+          <a:effectRef idx="0">
+            <a:schemeClr val="accent1"/>
+          </a:effectRef>
+          <a:fontRef idx="minor">
+            <a:schemeClr val="tx1"/>
+          </a:fontRef>
+        </p:style>
+      </p:cxnSp>
+      <p:sp>
+        <p:nvSpPr>
+          <p:cNvPr id="20" name="Rectangle: Rounded Corners 19">
+            <a:extLst>
+              <a:ext uri="{FF2B5EF4-FFF2-40B4-BE49-F238E27FC236}">
+                <a16:creationId xmlns:a16="http://schemas.microsoft.com/office/drawing/2014/main" id="{9A16ACE2-1FF4-F2CA-0433-116B36C87C21}"/>
+              </a:ext>
+            </a:extLst>
+          </p:cNvPr>
+          <p:cNvSpPr/>
+          <p:nvPr/>
+        </p:nvSpPr>
+        <p:spPr>
+          <a:xfrm>
+            <a:off x="4828390" y="2609620"/>
+            <a:ext cx="563142" cy="656954"/>
+          </a:xfrm>
+          <a:prstGeom prst="roundRect">
+            <a:avLst>
+              <a:gd name="adj" fmla="val 3270"/>
+            </a:avLst>
+          </a:prstGeom>
+          <a:ln w="225425" cap="sq">
+            <a:solidFill>
+              <a:srgbClr val="5E8A75"/>
+            </a:solidFill>
+            <a:round/>
+          </a:ln>
+        </p:spPr>
+        <p:style>
+          <a:lnRef idx="1">
+            <a:schemeClr val="accent1"/>
+          </a:lnRef>
+          <a:fillRef idx="0">
+            <a:schemeClr val="accent1"/>
+          </a:fillRef>
+          <a:effectRef idx="0">
+            <a:schemeClr val="accent1"/>
+          </a:effectRef>
+          <a:fontRef idx="minor">
+            <a:schemeClr val="tx1"/>
+          </a:fontRef>
+        </p:style>
+        <p:txBody>
+          <a:bodyPr rtlCol="0" anchor="ctr"/>
+          <a:lstStyle/>
+          <a:p>
+            <a:pPr algn="ctr"/>
+            <a:endParaRPr lang="de-DE"/>
+          </a:p>
+        </p:txBody>
+      </p:sp>
+      <p:sp>
+        <p:nvSpPr>
+          <p:cNvPr id="21" name="Rectangle: Rounded Corners 20">
+            <a:extLst>
+              <a:ext uri="{FF2B5EF4-FFF2-40B4-BE49-F238E27FC236}">
+                <a16:creationId xmlns:a16="http://schemas.microsoft.com/office/drawing/2014/main" id="{D2F5EB64-08CA-2906-AECE-06F80C94876D}"/>
+              </a:ext>
+            </a:extLst>
+          </p:cNvPr>
+          <p:cNvSpPr/>
+          <p:nvPr/>
+        </p:nvSpPr>
+        <p:spPr>
+          <a:xfrm>
+            <a:off x="5909052" y="2609619"/>
+            <a:ext cx="752051" cy="1333731"/>
+          </a:xfrm>
+          <a:prstGeom prst="roundRect">
+            <a:avLst>
+              <a:gd name="adj" fmla="val 3270"/>
+            </a:avLst>
+          </a:prstGeom>
+          <a:ln w="225425" cap="sq">
+            <a:solidFill>
+              <a:srgbClr val="5E8A75"/>
+            </a:solidFill>
+            <a:round/>
+          </a:ln>
+        </p:spPr>
+        <p:style>
+          <a:lnRef idx="1">
+            <a:schemeClr val="accent1"/>
+          </a:lnRef>
+          <a:fillRef idx="0">
+            <a:schemeClr val="accent1"/>
+          </a:fillRef>
+          <a:effectRef idx="0">
+            <a:schemeClr val="accent1"/>
+          </a:effectRef>
+          <a:fontRef idx="minor">
+            <a:schemeClr val="tx1"/>
+          </a:fontRef>
+        </p:style>
+        <p:txBody>
+          <a:bodyPr rtlCol="0" anchor="ctr"/>
+          <a:lstStyle/>
+          <a:p>
+            <a:pPr algn="ctr"/>
+            <a:endParaRPr lang="de-DE"/>
+          </a:p>
+        </p:txBody>
+      </p:sp>
+      <p:sp>
+        <p:nvSpPr>
+          <p:cNvPr id="22" name="Rectangle 21">
+            <a:extLst>
+              <a:ext uri="{FF2B5EF4-FFF2-40B4-BE49-F238E27FC236}">
+                <a16:creationId xmlns:a16="http://schemas.microsoft.com/office/drawing/2014/main" id="{03D0F819-7F8A-F036-2194-CD132F82EFCF}"/>
+              </a:ext>
+            </a:extLst>
+          </p:cNvPr>
+          <p:cNvSpPr/>
+          <p:nvPr/>
+        </p:nvSpPr>
+        <p:spPr>
+          <a:xfrm>
+            <a:off x="5666152" y="3819298"/>
+            <a:ext cx="1188630" cy="161921"/>
+          </a:xfrm>
+          <a:prstGeom prst="rect">
+            <a:avLst/>
+          </a:prstGeom>
+          <a:solidFill>
+            <a:schemeClr val="bg1"/>
+          </a:solidFill>
+          <a:ln>
+            <a:noFill/>
+          </a:ln>
+        </p:spPr>
+        <p:style>
+          <a:lnRef idx="2">
+            <a:schemeClr val="accent1">
+              <a:shade val="15000"/>
+            </a:schemeClr>
+          </a:lnRef>
+          <a:fillRef idx="1">
+            <a:schemeClr val="accent1"/>
+          </a:fillRef>
+          <a:effectRef idx="0">
+            <a:schemeClr val="accent1"/>
+          </a:effectRef>
+          <a:fontRef idx="minor">
+            <a:schemeClr val="lt1"/>
+          </a:fontRef>
+        </p:style>
+        <p:txBody>
+          <a:bodyPr rtlCol="0" anchor="ctr"/>
+          <a:lstStyle/>
+          <a:p>
+            <a:pPr algn="ctr"/>
+            <a:endParaRPr lang="de-DE"/>
+          </a:p>
+        </p:txBody>
+      </p:sp>
+      <p:sp>
+        <p:nvSpPr>
+          <p:cNvPr id="23" name="Rectangle 22">
+            <a:extLst>
+              <a:ext uri="{FF2B5EF4-FFF2-40B4-BE49-F238E27FC236}">
+                <a16:creationId xmlns:a16="http://schemas.microsoft.com/office/drawing/2014/main" id="{0E605738-A72D-4826-356E-7B30780E3826}"/>
+              </a:ext>
+            </a:extLst>
+          </p:cNvPr>
+          <p:cNvSpPr/>
+          <p:nvPr/>
+        </p:nvSpPr>
+        <p:spPr>
+          <a:xfrm>
+            <a:off x="4604911" y="2379705"/>
+            <a:ext cx="477427" cy="591979"/>
+          </a:xfrm>
+          <a:prstGeom prst="rect">
+            <a:avLst/>
+          </a:prstGeom>
+          <a:solidFill>
+            <a:schemeClr val="bg1"/>
+          </a:solidFill>
+          <a:ln>
+            <a:noFill/>
+          </a:ln>
+        </p:spPr>
+        <p:style>
+          <a:lnRef idx="2">
+            <a:schemeClr val="accent1">
+              <a:shade val="15000"/>
+            </a:schemeClr>
+          </a:lnRef>
+          <a:fillRef idx="1">
+            <a:schemeClr val="accent1"/>
+          </a:fillRef>
+          <a:effectRef idx="0">
+            <a:schemeClr val="accent1"/>
+          </a:effectRef>
+          <a:fontRef idx="minor">
+            <a:schemeClr val="lt1"/>
+          </a:fontRef>
+        </p:style>
+        <p:txBody>
+          <a:bodyPr rtlCol="0" anchor="ctr"/>
+          <a:lstStyle/>
+          <a:p>
+            <a:pPr algn="ctr"/>
+            <a:endParaRPr lang="de-DE"/>
+          </a:p>
+        </p:txBody>
+      </p:sp>
+      <p:sp>
+        <p:nvSpPr>
+          <p:cNvPr id="24" name="Rectangle 23">
+            <a:extLst>
+              <a:ext uri="{FF2B5EF4-FFF2-40B4-BE49-F238E27FC236}">
+                <a16:creationId xmlns:a16="http://schemas.microsoft.com/office/drawing/2014/main" id="{A532638E-62A6-D3D2-4815-30DCE4F34555}"/>
+              </a:ext>
+            </a:extLst>
+          </p:cNvPr>
+          <p:cNvSpPr/>
+          <p:nvPr/>
+        </p:nvSpPr>
+        <p:spPr>
+          <a:xfrm>
+            <a:off x="6310680" y="3155685"/>
+            <a:ext cx="159928" cy="178065"/>
+          </a:xfrm>
+          <a:prstGeom prst="rect">
+            <a:avLst/>
+          </a:prstGeom>
+          <a:solidFill>
+            <a:srgbClr val="5E8A75"/>
+          </a:solidFill>
+          <a:ln>
+            <a:noFill/>
+          </a:ln>
+        </p:spPr>
+        <p:style>
+          <a:lnRef idx="2">
+            <a:schemeClr val="accent1">
+              <a:shade val="15000"/>
+            </a:schemeClr>
+          </a:lnRef>
+          <a:fillRef idx="1">
+            <a:schemeClr val="accent1"/>
+          </a:fillRef>
+          <a:effectRef idx="0">
+            <a:schemeClr val="accent1"/>
+          </a:effectRef>
+          <a:fontRef idx="minor">
+            <a:schemeClr val="lt1"/>
+          </a:fontRef>
+        </p:style>
+        <p:txBody>
+          <a:bodyPr rtlCol="0" anchor="ctr"/>
+          <a:lstStyle/>
+          <a:p>
+            <a:pPr algn="ctr"/>
+            <a:endParaRPr lang="de-DE"/>
+          </a:p>
+        </p:txBody>
+      </p:sp>
+      <p:cxnSp>
+        <p:nvCxnSpPr>
+          <p:cNvPr id="3" name="Straight Connector 2">
+            <a:extLst>
+              <a:ext uri="{FF2B5EF4-FFF2-40B4-BE49-F238E27FC236}">
+                <a16:creationId xmlns:a16="http://schemas.microsoft.com/office/drawing/2014/main" id="{FF8B0F4C-A42F-3436-F766-2BCB456E6DCB}"/>
+              </a:ext>
+            </a:extLst>
+          </p:cNvPr>
+          <p:cNvCxnSpPr>
+            <a:cxnSpLocks/>
+          </p:cNvCxnSpPr>
+          <p:nvPr/>
+        </p:nvCxnSpPr>
+        <p:spPr>
+          <a:xfrm>
+            <a:off x="3862137" y="4053617"/>
+            <a:ext cx="3862137" cy="0"/>
+          </a:xfrm>
+          <a:prstGeom prst="line">
+            <a:avLst/>
+          </a:prstGeom>
+          <a:ln w="225425" cap="sq">
+            <a:solidFill>
+              <a:srgbClr val="5E8A75"/>
+            </a:solidFill>
+            <a:round/>
+          </a:ln>
+        </p:spPr>
+        <p:style>
+          <a:lnRef idx="1">
+            <a:schemeClr val="accent1"/>
+          </a:lnRef>
+          <a:fillRef idx="0">
+            <a:schemeClr val="accent1"/>
+          </a:fillRef>
+          <a:effectRef idx="0">
+            <a:schemeClr val="accent1"/>
+          </a:effectRef>
+          <a:fontRef idx="minor">
+            <a:schemeClr val="tx1"/>
+          </a:fontRef>
+        </p:style>
+      </p:cxnSp>
+    </p:spTree>
+    <p:extLst>
+      <p:ext uri="{BB962C8B-B14F-4D97-AF65-F5344CB8AC3E}">
+        <p14:creationId xmlns:p14="http://schemas.microsoft.com/office/powerpoint/2010/main" val="1841292035"/>
       </p:ext>
     </p:extLst>
   </p:cSld>
